--- a/Advanced Machine Learning.pptx
+++ b/Advanced Machine Learning.pptx
@@ -11,6 +11,30 @@
     <p:sldId id="259" r:id="rId5"/>
     <p:sldId id="260" r:id="rId6"/>
     <p:sldId id="261" r:id="rId7"/>
+    <p:sldId id="262" r:id="rId8"/>
+    <p:sldId id="286" r:id="rId9"/>
+    <p:sldId id="263" r:id="rId10"/>
+    <p:sldId id="285" r:id="rId11"/>
+    <p:sldId id="275" r:id="rId12"/>
+    <p:sldId id="287" r:id="rId13"/>
+    <p:sldId id="277" r:id="rId14"/>
+    <p:sldId id="272" r:id="rId15"/>
+    <p:sldId id="273" r:id="rId16"/>
+    <p:sldId id="276" r:id="rId17"/>
+    <p:sldId id="265" r:id="rId18"/>
+    <p:sldId id="278" r:id="rId19"/>
+    <p:sldId id="266" r:id="rId20"/>
+    <p:sldId id="267" r:id="rId21"/>
+    <p:sldId id="268" r:id="rId22"/>
+    <p:sldId id="269" r:id="rId23"/>
+    <p:sldId id="270" r:id="rId24"/>
+    <p:sldId id="271" r:id="rId25"/>
+    <p:sldId id="279" r:id="rId26"/>
+    <p:sldId id="280" r:id="rId27"/>
+    <p:sldId id="281" r:id="rId28"/>
+    <p:sldId id="282" r:id="rId29"/>
+    <p:sldId id="283" r:id="rId30"/>
+    <p:sldId id="284" r:id="rId31"/>
   </p:sldIdLst>
   <p:sldSz cx="12192000" cy="6858000"/>
   <p:notesSz cx="6858000" cy="9144000"/>
@@ -3299,6 +3323,2265 @@
 </p:sld>
 </file>
 
+<file path=ppt/slides/slide10.xml><?xml version="1.0" encoding="utf-8"?>
+<p:sld xmlns:a="http://schemas.openxmlformats.org/drawingml/2006/main" xmlns:r="http://schemas.openxmlformats.org/officeDocument/2006/relationships" xmlns:p="http://schemas.openxmlformats.org/presentationml/2006/main">
+  <p:cSld>
+    <p:spTree>
+      <p:nvGrpSpPr>
+        <p:cNvPr id="1" name=""/>
+        <p:cNvGrpSpPr/>
+        <p:nvPr/>
+      </p:nvGrpSpPr>
+      <p:grpSpPr>
+        <a:xfrm>
+          <a:off x="0" y="0"/>
+          <a:ext cx="0" cy="0"/>
+          <a:chOff x="0" y="0"/>
+          <a:chExt cx="0" cy="0"/>
+        </a:xfrm>
+      </p:grpSpPr>
+      <p:sp>
+        <p:nvSpPr>
+          <p:cNvPr id="2" name="Title 1"/>
+          <p:cNvSpPr>
+            <a:spLocks noGrp="1"/>
+          </p:cNvSpPr>
+          <p:nvPr>
+            <p:ph type="title"/>
+          </p:nvPr>
+        </p:nvSpPr>
+        <p:spPr/>
+        <p:txBody>
+          <a:bodyPr/>
+          <a:lstStyle/>
+          <a:p>
+            <a:r>
+              <a:rPr lang="en-US" dirty="0"/>
+              <a:t>But, where do we get the dictionary </a:t>
+            </a:r>
+            <a:r>
+              <a:rPr lang="en-US" dirty="0" smtClean="0"/>
+              <a:t>from?</a:t>
+            </a:r>
+            <a:endParaRPr lang="en-US" dirty="0"/>
+          </a:p>
+        </p:txBody>
+      </p:sp>
+      <p:sp>
+        <p:nvSpPr>
+          <p:cNvPr id="3" name="Content Placeholder 2"/>
+          <p:cNvSpPr>
+            <a:spLocks noGrp="1"/>
+          </p:cNvSpPr>
+          <p:nvPr>
+            <p:ph idx="1"/>
+          </p:nvPr>
+        </p:nvSpPr>
+        <p:spPr/>
+        <p:txBody>
+          <a:bodyPr/>
+          <a:lstStyle/>
+          <a:p>
+            <a:r>
+              <a:rPr lang="en-US" dirty="0"/>
+              <a:t>Use pre-calculated dictionaries built from a huge dataset of natural images over time. </a:t>
+            </a:r>
+            <a:endParaRPr lang="en-US" dirty="0" smtClean="0"/>
+          </a:p>
+          <a:p>
+            <a:pPr marL="0" indent="0">
+              <a:buNone/>
+            </a:pPr>
+            <a:r>
+              <a:rPr lang="en-US" dirty="0"/>
+              <a:t> </a:t>
+            </a:r>
+            <a:r>
+              <a:rPr lang="en-US" dirty="0" smtClean="0"/>
+              <a:t>  Or,</a:t>
+            </a:r>
+          </a:p>
+          <a:p>
+            <a:r>
+              <a:rPr lang="en-US" dirty="0" smtClean="0">
+                <a:solidFill>
+                  <a:srgbClr val="FF0000"/>
+                </a:solidFill>
+              </a:rPr>
+              <a:t>Learn </a:t>
+            </a:r>
+            <a:r>
+              <a:rPr lang="en-US" dirty="0">
+                <a:solidFill>
+                  <a:srgbClr val="FF0000"/>
+                </a:solidFill>
+              </a:rPr>
+              <a:t>a dictionary from the given set of training signals : </a:t>
+            </a:r>
+            <a:r>
+              <a:rPr lang="en-US" dirty="0"/>
+              <a:t>Has proven </a:t>
+            </a:r>
+            <a:r>
+              <a:rPr lang="en-US" dirty="0" smtClean="0"/>
+              <a:t>   to </a:t>
+            </a:r>
+            <a:r>
+              <a:rPr lang="en-US" dirty="0"/>
+              <a:t>dramatically improve signal reconstruction. </a:t>
+            </a:r>
+          </a:p>
+          <a:p>
+            <a:pPr marL="0" indent="0">
+              <a:buNone/>
+            </a:pPr>
+            <a:endParaRPr lang="en-US" dirty="0"/>
+          </a:p>
+          <a:p>
+            <a:r>
+              <a:rPr lang="en-US" dirty="0"/>
+              <a:t>So, here comes the problem of </a:t>
+            </a:r>
+            <a:r>
+              <a:rPr lang="en-US" b="1" dirty="0">
+                <a:solidFill>
+                  <a:srgbClr val="FF0000"/>
+                </a:solidFill>
+              </a:rPr>
+              <a:t>Dictionary Learning</a:t>
+            </a:r>
+            <a:r>
+              <a:rPr lang="en-US" b="1" dirty="0" smtClean="0">
+                <a:solidFill>
+                  <a:srgbClr val="FF0000"/>
+                </a:solidFill>
+              </a:rPr>
+              <a:t>!!</a:t>
+            </a:r>
+            <a:endParaRPr lang="en-US" dirty="0"/>
+          </a:p>
+        </p:txBody>
+      </p:sp>
+    </p:spTree>
+    <p:extLst>
+      <p:ext uri="{BB962C8B-B14F-4D97-AF65-F5344CB8AC3E}">
+        <p14:creationId xmlns:p14="http://schemas.microsoft.com/office/powerpoint/2010/main" val="2389621855"/>
+      </p:ext>
+    </p:extLst>
+  </p:cSld>
+  <p:clrMapOvr>
+    <a:masterClrMapping/>
+  </p:clrMapOvr>
+  <p:timing>
+    <p:tnLst>
+      <p:par>
+        <p:cTn id="1" dur="indefinite" restart="never" nodeType="tmRoot"/>
+      </p:par>
+    </p:tnLst>
+  </p:timing>
+</p:sld>
+</file>
+
+<file path=ppt/slides/slide11.xml><?xml version="1.0" encoding="utf-8"?>
+<p:sld xmlns:a="http://schemas.openxmlformats.org/drawingml/2006/main" xmlns:r="http://schemas.openxmlformats.org/officeDocument/2006/relationships" xmlns:p="http://schemas.openxmlformats.org/presentationml/2006/main">
+  <p:cSld>
+    <p:spTree>
+      <p:nvGrpSpPr>
+        <p:cNvPr id="1" name=""/>
+        <p:cNvGrpSpPr/>
+        <p:nvPr/>
+      </p:nvGrpSpPr>
+      <p:grpSpPr>
+        <a:xfrm>
+          <a:off x="0" y="0"/>
+          <a:ext cx="0" cy="0"/>
+          <a:chOff x="0" y="0"/>
+          <a:chExt cx="0" cy="0"/>
+        </a:xfrm>
+      </p:grpSpPr>
+      <p:sp>
+        <p:nvSpPr>
+          <p:cNvPr id="3" name="TextBox 2"/>
+          <p:cNvSpPr txBox="1"/>
+          <p:nvPr/>
+        </p:nvSpPr>
+        <p:spPr>
+          <a:xfrm>
+            <a:off x="4128977" y="253157"/>
+            <a:ext cx="3934046" cy="800219"/>
+          </a:xfrm>
+          <a:prstGeom prst="rect">
+            <a:avLst/>
+          </a:prstGeom>
+          <a:noFill/>
+        </p:spPr>
+        <p:txBody>
+          <a:bodyPr wrap="square" rtlCol="0">
+            <a:spAutoFit/>
+          </a:bodyPr>
+          <a:lstStyle/>
+          <a:p>
+            <a:pPr algn="ctr"/>
+            <a:r>
+              <a:rPr lang="en-US" sz="2800" b="1" dirty="0" smtClean="0"/>
+              <a:t>Dictionary Learning </a:t>
+            </a:r>
+          </a:p>
+          <a:p>
+            <a:pPr algn="ctr"/>
+            <a:r>
+              <a:rPr lang="en-US" dirty="0" smtClean="0">
+                <a:solidFill>
+                  <a:srgbClr val="FF0000"/>
+                </a:solidFill>
+              </a:rPr>
+              <a:t>Problem Statement</a:t>
+            </a:r>
+            <a:endParaRPr lang="en-US" dirty="0">
+              <a:solidFill>
+                <a:srgbClr val="FF0000"/>
+              </a:solidFill>
+            </a:endParaRPr>
+          </a:p>
+        </p:txBody>
+      </p:sp>
+      <p:sp>
+        <p:nvSpPr>
+          <p:cNvPr id="4" name="TextBox 3"/>
+          <p:cNvSpPr txBox="1"/>
+          <p:nvPr/>
+        </p:nvSpPr>
+        <p:spPr>
+          <a:xfrm>
+            <a:off x="1365186" y="1370850"/>
+            <a:ext cx="10260419" cy="646331"/>
+          </a:xfrm>
+          <a:prstGeom prst="rect">
+            <a:avLst/>
+          </a:prstGeom>
+          <a:noFill/>
+        </p:spPr>
+        <p:txBody>
+          <a:bodyPr wrap="square" rtlCol="0">
+            <a:spAutoFit/>
+          </a:bodyPr>
+          <a:lstStyle/>
+          <a:p>
+            <a:r>
+              <a:rPr lang="en-US" dirty="0" smtClean="0"/>
+              <a:t>Classical dictionary learning techniques try to optimize the following empirical cost function, for a training set of signals Y = [y1, y2,…., </a:t>
+            </a:r>
+            <a:r>
+              <a:rPr lang="en-US" dirty="0" err="1" smtClean="0"/>
+              <a:t>yn</a:t>
+            </a:r>
+            <a:r>
+              <a:rPr lang="en-US" dirty="0" smtClean="0"/>
+              <a:t>]. [2]</a:t>
+            </a:r>
+          </a:p>
+        </p:txBody>
+      </p:sp>
+      <mc:AlternateContent xmlns:mc="http://schemas.openxmlformats.org/markup-compatibility/2006">
+        <mc:Choice xmlns:a14="http://schemas.microsoft.com/office/drawing/2010/main" Requires="a14">
+          <p:sp>
+            <p:nvSpPr>
+              <p:cNvPr id="5" name="TextBox 4"/>
+              <p:cNvSpPr txBox="1"/>
+              <p:nvPr/>
+            </p:nvSpPr>
+            <p:spPr>
+              <a:xfrm>
+                <a:off x="4488940" y="2303139"/>
+                <a:ext cx="2259849" cy="756233"/>
+              </a:xfrm>
+              <a:prstGeom prst="rect">
+                <a:avLst/>
+              </a:prstGeom>
+              <a:noFill/>
+            </p:spPr>
+            <p:txBody>
+              <a:bodyPr wrap="none" lIns="0" tIns="0" rIns="0" bIns="0" rtlCol="0">
+                <a:spAutoFit/>
+              </a:bodyPr>
+              <a:lstStyle/>
+              <a:p>
+                <a14:m>
+                  <m:oMathPara xmlns:m="http://schemas.openxmlformats.org/officeDocument/2006/math">
+                    <m:oMathParaPr>
+                      <m:jc m:val="centerGroup"/>
+                    </m:oMathParaPr>
+                    <m:oMath xmlns:m="http://schemas.openxmlformats.org/officeDocument/2006/math">
+                      <m:sSup>
+                        <m:sSupPr>
+                          <m:ctrlPr>
+                            <a:rPr lang="pt-BR" i="1" smtClean="0">
+                              <a:latin typeface="Cambria Math" panose="02040503050406030204" pitchFamily="18" charset="0"/>
+                            </a:rPr>
+                          </m:ctrlPr>
+                        </m:sSupPr>
+                        <m:e>
+                          <m:r>
+                            <a:rPr lang="en-US" b="0" i="1" smtClean="0">
+                              <a:latin typeface="Cambria Math" panose="02040503050406030204" pitchFamily="18" charset="0"/>
+                            </a:rPr>
+                            <m:t>𝐿</m:t>
+                          </m:r>
+                          <m:d>
+                            <m:dPr>
+                              <m:ctrlPr>
+                                <a:rPr lang="pt-BR" i="1" smtClean="0">
+                                  <a:latin typeface="Cambria Math" panose="02040503050406030204" pitchFamily="18" charset="0"/>
+                                </a:rPr>
+                              </m:ctrlPr>
+                            </m:dPr>
+                            <m:e>
+                              <m:r>
+                                <a:rPr lang="en-US" b="0" i="1" smtClean="0">
+                                  <a:latin typeface="Cambria Math" panose="02040503050406030204" pitchFamily="18" charset="0"/>
+                                </a:rPr>
+                                <m:t>𝐷</m:t>
+                              </m:r>
+                            </m:e>
+                          </m:d>
+                        </m:e>
+                        <m:sup/>
+                      </m:sSup>
+                      <m:r>
+                        <a:rPr lang="pt-BR" i="1" smtClean="0">
+                          <a:latin typeface="Cambria Math" panose="02040503050406030204" pitchFamily="18" charset="0"/>
+                        </a:rPr>
+                        <m:t>=</m:t>
+                      </m:r>
+                      <m:f>
+                        <m:fPr>
+                          <m:ctrlPr>
+                            <a:rPr lang="en-US" b="0" i="1" smtClean="0">
+                              <a:latin typeface="Cambria Math" panose="02040503050406030204" pitchFamily="18" charset="0"/>
+                            </a:rPr>
+                          </m:ctrlPr>
+                        </m:fPr>
+                        <m:num>
+                          <m:r>
+                            <a:rPr lang="en-US" b="0" i="1" smtClean="0">
+                              <a:latin typeface="Cambria Math" panose="02040503050406030204" pitchFamily="18" charset="0"/>
+                            </a:rPr>
+                            <m:t>1</m:t>
+                          </m:r>
+                        </m:num>
+                        <m:den>
+                          <m:r>
+                            <a:rPr lang="en-US" b="0" i="1" smtClean="0">
+                              <a:latin typeface="Cambria Math" panose="02040503050406030204" pitchFamily="18" charset="0"/>
+                            </a:rPr>
+                            <m:t>𝑛</m:t>
+                          </m:r>
+                        </m:den>
+                      </m:f>
+                      <m:nary>
+                        <m:naryPr>
+                          <m:chr m:val="∑"/>
+                          <m:ctrlPr>
+                            <a:rPr lang="pt-BR" i="1" smtClean="0">
+                              <a:latin typeface="Cambria Math" panose="02040503050406030204" pitchFamily="18" charset="0"/>
+                            </a:rPr>
+                          </m:ctrlPr>
+                        </m:naryPr>
+                        <m:sub>
+                          <m:r>
+                            <m:rPr>
+                              <m:brk m:alnAt="23"/>
+                            </m:rPr>
+                            <a:rPr lang="en-US" b="0" i="1" smtClean="0">
+                              <a:latin typeface="Cambria Math" panose="02040503050406030204" pitchFamily="18" charset="0"/>
+                            </a:rPr>
+                            <m:t>𝑖</m:t>
+                          </m:r>
+                          <m:r>
+                            <a:rPr lang="pt-BR" i="1" smtClean="0">
+                              <a:latin typeface="Cambria Math" panose="02040503050406030204" pitchFamily="18" charset="0"/>
+                            </a:rPr>
+                            <m:t>=</m:t>
+                          </m:r>
+                          <m:r>
+                            <a:rPr lang="en-US" b="0" i="1" smtClean="0">
+                              <a:latin typeface="Cambria Math" panose="02040503050406030204" pitchFamily="18" charset="0"/>
+                            </a:rPr>
+                            <m:t>1</m:t>
+                          </m:r>
+                        </m:sub>
+                        <m:sup>
+                          <m:r>
+                            <a:rPr lang="pt-BR" i="1" smtClean="0">
+                              <a:latin typeface="Cambria Math" panose="02040503050406030204" pitchFamily="18" charset="0"/>
+                            </a:rPr>
+                            <m:t>𝑛</m:t>
+                          </m:r>
+                        </m:sup>
+                        <m:e>
+                          <m:r>
+                            <a:rPr lang="en-US" b="0" i="1" smtClean="0">
+                              <a:latin typeface="Cambria Math" panose="02040503050406030204" pitchFamily="18" charset="0"/>
+                            </a:rPr>
+                            <m:t>𝑙</m:t>
+                          </m:r>
+                          <m:r>
+                            <a:rPr lang="en-US" b="0" i="1" smtClean="0">
+                              <a:latin typeface="Cambria Math" panose="02040503050406030204" pitchFamily="18" charset="0"/>
+                            </a:rPr>
+                            <m:t>(</m:t>
+                          </m:r>
+                          <m:r>
+                            <a:rPr lang="en-US" b="0" i="1" smtClean="0">
+                              <a:latin typeface="Cambria Math" panose="02040503050406030204" pitchFamily="18" charset="0"/>
+                            </a:rPr>
+                            <m:t>𝑦</m:t>
+                          </m:r>
+                          <m:r>
+                            <a:rPr lang="en-US" b="0" i="1" smtClean="0">
+                              <a:latin typeface="Cambria Math" panose="02040503050406030204" pitchFamily="18" charset="0"/>
+                            </a:rPr>
+                            <m:t>,</m:t>
+                          </m:r>
+                          <m:r>
+                            <a:rPr lang="en-US" b="0" i="1" smtClean="0">
+                              <a:latin typeface="Cambria Math" panose="02040503050406030204" pitchFamily="18" charset="0"/>
+                            </a:rPr>
+                            <m:t>𝐷</m:t>
+                          </m:r>
+                          <m:r>
+                            <a:rPr lang="en-US" b="0" i="1" smtClean="0">
+                              <a:latin typeface="Cambria Math" panose="02040503050406030204" pitchFamily="18" charset="0"/>
+                            </a:rPr>
+                            <m:t>)</m:t>
+                          </m:r>
+                        </m:e>
+                      </m:nary>
+                    </m:oMath>
+                  </m:oMathPara>
+                </a14:m>
+                <a:endParaRPr lang="en-US" dirty="0"/>
+              </a:p>
+            </p:txBody>
+          </p:sp>
+        </mc:Choice>
+        <mc:Fallback>
+          <p:sp>
+            <p:nvSpPr>
+              <p:cNvPr id="5" name="TextBox 4"/>
+              <p:cNvSpPr txBox="1">
+                <a:spLocks noRot="1" noChangeAspect="1" noMove="1" noResize="1" noEditPoints="1" noAdjustHandles="1" noChangeArrowheads="1" noChangeShapeType="1" noTextEdit="1"/>
+              </p:cNvSpPr>
+              <p:nvPr/>
+            </p:nvSpPr>
+            <p:spPr>
+              <a:xfrm>
+                <a:off x="4488940" y="2303139"/>
+                <a:ext cx="2259849" cy="756233"/>
+              </a:xfrm>
+              <a:prstGeom prst="rect">
+                <a:avLst/>
+              </a:prstGeom>
+              <a:blipFill rotWithShape="0">
+                <a:blip r:embed="rId2"/>
+                <a:stretch>
+                  <a:fillRect/>
+                </a:stretch>
+              </a:blipFill>
+            </p:spPr>
+            <p:txBody>
+              <a:bodyPr/>
+              <a:lstStyle/>
+              <a:p>
+                <a:r>
+                  <a:rPr lang="en-US">
+                    <a:noFill/>
+                  </a:rPr>
+                  <a:t> </a:t>
+                </a:r>
+              </a:p>
+            </p:txBody>
+          </p:sp>
+        </mc:Fallback>
+      </mc:AlternateContent>
+      <p:sp>
+        <p:nvSpPr>
+          <p:cNvPr id="6" name="TextBox 5"/>
+          <p:cNvSpPr txBox="1"/>
+          <p:nvPr/>
+        </p:nvSpPr>
+        <p:spPr>
+          <a:xfrm>
+            <a:off x="1365186" y="3345330"/>
+            <a:ext cx="9633098" cy="369332"/>
+          </a:xfrm>
+          <a:prstGeom prst="rect">
+            <a:avLst/>
+          </a:prstGeom>
+          <a:noFill/>
+        </p:spPr>
+        <p:txBody>
+          <a:bodyPr wrap="square" rtlCol="0">
+            <a:spAutoFit/>
+          </a:bodyPr>
+          <a:lstStyle/>
+          <a:p>
+            <a:r>
+              <a:rPr lang="en-US" dirty="0" smtClean="0"/>
+              <a:t>l(</a:t>
+            </a:r>
+            <a:r>
+              <a:rPr lang="en-US" dirty="0" err="1" smtClean="0"/>
+              <a:t>y,D</a:t>
+            </a:r>
+            <a:r>
+              <a:rPr lang="en-US" dirty="0" smtClean="0"/>
+              <a:t>) is a loss function that assumes a low value if the dictionary D is good at representing signal y. </a:t>
+            </a:r>
+            <a:endParaRPr lang="en-US" dirty="0"/>
+          </a:p>
+        </p:txBody>
+      </p:sp>
+    </p:spTree>
+    <p:extLst>
+      <p:ext uri="{BB962C8B-B14F-4D97-AF65-F5344CB8AC3E}">
+        <p14:creationId xmlns:p14="http://schemas.microsoft.com/office/powerpoint/2010/main" val="261007129"/>
+      </p:ext>
+    </p:extLst>
+  </p:cSld>
+  <p:clrMapOvr>
+    <a:masterClrMapping/>
+  </p:clrMapOvr>
+  <p:timing>
+    <p:tnLst>
+      <p:par>
+        <p:cTn id="1" dur="indefinite" restart="never" nodeType="tmRoot"/>
+      </p:par>
+    </p:tnLst>
+  </p:timing>
+</p:sld>
+</file>
+
+<file path=ppt/slides/slide12.xml><?xml version="1.0" encoding="utf-8"?>
+<p:sld xmlns:a="http://schemas.openxmlformats.org/drawingml/2006/main" xmlns:r="http://schemas.openxmlformats.org/officeDocument/2006/relationships" xmlns:p="http://schemas.openxmlformats.org/presentationml/2006/main">
+  <p:cSld>
+    <p:spTree>
+      <p:nvGrpSpPr>
+        <p:cNvPr id="1" name=""/>
+        <p:cNvGrpSpPr/>
+        <p:nvPr/>
+      </p:nvGrpSpPr>
+      <p:grpSpPr>
+        <a:xfrm>
+          <a:off x="0" y="0"/>
+          <a:ext cx="0" cy="0"/>
+          <a:chOff x="0" y="0"/>
+          <a:chExt cx="0" cy="0"/>
+        </a:xfrm>
+      </p:grpSpPr>
+      <p:sp>
+        <p:nvSpPr>
+          <p:cNvPr id="2" name="Title 1"/>
+          <p:cNvSpPr>
+            <a:spLocks noGrp="1"/>
+          </p:cNvSpPr>
+          <p:nvPr>
+            <p:ph type="title"/>
+          </p:nvPr>
+        </p:nvSpPr>
+        <p:spPr/>
+        <p:txBody>
+          <a:bodyPr>
+            <a:normAutofit/>
+          </a:bodyPr>
+          <a:lstStyle/>
+          <a:p>
+            <a:r>
+              <a:rPr lang="en-US" b="1" dirty="0"/>
+              <a:t>Dictionary Learning </a:t>
+            </a:r>
+            <a:r>
+              <a:rPr lang="en-US" b="1" dirty="0" smtClean="0"/>
+              <a:t>: </a:t>
+            </a:r>
+            <a:r>
+              <a:rPr lang="en-US" sz="2800" dirty="0" smtClean="0">
+                <a:solidFill>
+                  <a:srgbClr val="FF0000"/>
+                </a:solidFill>
+              </a:rPr>
+              <a:t>Problem </a:t>
+            </a:r>
+            <a:r>
+              <a:rPr lang="en-US" sz="2800" dirty="0">
+                <a:solidFill>
+                  <a:srgbClr val="FF0000"/>
+                </a:solidFill>
+              </a:rPr>
+              <a:t>Statement</a:t>
+            </a:r>
+            <a:r>
+              <a:rPr lang="en-US" dirty="0">
+                <a:solidFill>
+                  <a:srgbClr val="FF0000"/>
+                </a:solidFill>
+              </a:rPr>
+              <a:t/>
+            </a:r>
+            <a:br>
+              <a:rPr lang="en-US" dirty="0">
+                <a:solidFill>
+                  <a:srgbClr val="FF0000"/>
+                </a:solidFill>
+              </a:rPr>
+            </a:br>
+            <a:endParaRPr lang="en-US" dirty="0"/>
+          </a:p>
+        </p:txBody>
+      </p:sp>
+      <mc:AlternateContent xmlns:mc="http://schemas.openxmlformats.org/markup-compatibility/2006">
+        <mc:Choice xmlns:a14="http://schemas.microsoft.com/office/drawing/2010/main" Requires="a14">
+          <p:sp>
+            <p:nvSpPr>
+              <p:cNvPr id="3" name="Content Placeholder 2"/>
+              <p:cNvSpPr>
+                <a:spLocks noGrp="1"/>
+              </p:cNvSpPr>
+              <p:nvPr>
+                <p:ph idx="1"/>
+              </p:nvPr>
+            </p:nvSpPr>
+            <p:spPr/>
+            <p:txBody>
+              <a:bodyPr/>
+              <a:lstStyle/>
+              <a:p>
+                <a:r>
+                  <a:rPr lang="en-US" dirty="0"/>
+                  <a:t>Classical dictionary learning techniques try to optimize the following empirical cost function, for a training set of signals Y = [y1, y2,…., </a:t>
+                </a:r>
+                <a:r>
+                  <a:rPr lang="en-US" dirty="0" err="1"/>
+                  <a:t>yn</a:t>
+                </a:r>
+                <a:r>
+                  <a:rPr lang="en-US" dirty="0"/>
+                  <a:t>]. [2]</a:t>
+                </a:r>
+                <a:r>
+                  <a:rPr lang="pt-BR" dirty="0"/>
+                  <a:t> </a:t>
+                </a:r>
+                <a:endParaRPr lang="pt-BR" dirty="0" smtClean="0"/>
+              </a:p>
+              <a:p>
+                <a:pPr marL="0" indent="0">
+                  <a:buNone/>
+                </a:pPr>
+                <a14:m>
+                  <m:oMathPara xmlns:m="http://schemas.openxmlformats.org/officeDocument/2006/math">
+                    <m:oMathParaPr>
+                      <m:jc m:val="centerGroup"/>
+                    </m:oMathParaPr>
+                    <m:oMath xmlns:m="http://schemas.openxmlformats.org/officeDocument/2006/math">
+                      <m:sSup>
+                        <m:sSupPr>
+                          <m:ctrlPr>
+                            <a:rPr lang="pt-BR" i="1">
+                              <a:latin typeface="Cambria Math" panose="02040503050406030204" pitchFamily="18" charset="0"/>
+                            </a:rPr>
+                          </m:ctrlPr>
+                        </m:sSupPr>
+                        <m:e>
+                          <m:r>
+                            <a:rPr lang="en-US" i="1">
+                              <a:latin typeface="Cambria Math" panose="02040503050406030204" pitchFamily="18" charset="0"/>
+                            </a:rPr>
+                            <m:t>𝐿</m:t>
+                          </m:r>
+                          <m:d>
+                            <m:dPr>
+                              <m:ctrlPr>
+                                <a:rPr lang="pt-BR" i="1">
+                                  <a:latin typeface="Cambria Math" panose="02040503050406030204" pitchFamily="18" charset="0"/>
+                                </a:rPr>
+                              </m:ctrlPr>
+                            </m:dPr>
+                            <m:e>
+                              <m:r>
+                                <a:rPr lang="en-US" i="1">
+                                  <a:latin typeface="Cambria Math" panose="02040503050406030204" pitchFamily="18" charset="0"/>
+                                </a:rPr>
+                                <m:t>𝐷</m:t>
+                              </m:r>
+                            </m:e>
+                          </m:d>
+                        </m:e>
+                        <m:sup/>
+                      </m:sSup>
+                      <m:r>
+                        <a:rPr lang="pt-BR" i="1">
+                          <a:latin typeface="Cambria Math" panose="02040503050406030204" pitchFamily="18" charset="0"/>
+                        </a:rPr>
+                        <m:t>=</m:t>
+                      </m:r>
+                      <m:f>
+                        <m:fPr>
+                          <m:ctrlPr>
+                            <a:rPr lang="en-US" i="1">
+                              <a:latin typeface="Cambria Math" panose="02040503050406030204" pitchFamily="18" charset="0"/>
+                            </a:rPr>
+                          </m:ctrlPr>
+                        </m:fPr>
+                        <m:num>
+                          <m:r>
+                            <a:rPr lang="en-US" i="1">
+                              <a:latin typeface="Cambria Math" panose="02040503050406030204" pitchFamily="18" charset="0"/>
+                            </a:rPr>
+                            <m:t>1</m:t>
+                          </m:r>
+                        </m:num>
+                        <m:den>
+                          <m:r>
+                            <a:rPr lang="en-US" i="1">
+                              <a:latin typeface="Cambria Math" panose="02040503050406030204" pitchFamily="18" charset="0"/>
+                            </a:rPr>
+                            <m:t>𝑛</m:t>
+                          </m:r>
+                        </m:den>
+                      </m:f>
+                      <m:nary>
+                        <m:naryPr>
+                          <m:chr m:val="∑"/>
+                          <m:ctrlPr>
+                            <a:rPr lang="pt-BR" i="1">
+                              <a:latin typeface="Cambria Math" panose="02040503050406030204" pitchFamily="18" charset="0"/>
+                            </a:rPr>
+                          </m:ctrlPr>
+                        </m:naryPr>
+                        <m:sub>
+                          <m:r>
+                            <m:rPr>
+                              <m:brk m:alnAt="23"/>
+                            </m:rPr>
+                            <a:rPr lang="en-US" i="1">
+                              <a:latin typeface="Cambria Math" panose="02040503050406030204" pitchFamily="18" charset="0"/>
+                            </a:rPr>
+                            <m:t>𝑖</m:t>
+                          </m:r>
+                          <m:r>
+                            <a:rPr lang="pt-BR" i="1">
+                              <a:latin typeface="Cambria Math" panose="02040503050406030204" pitchFamily="18" charset="0"/>
+                            </a:rPr>
+                            <m:t>=</m:t>
+                          </m:r>
+                          <m:r>
+                            <a:rPr lang="en-US" i="1">
+                              <a:latin typeface="Cambria Math" panose="02040503050406030204" pitchFamily="18" charset="0"/>
+                            </a:rPr>
+                            <m:t>1</m:t>
+                          </m:r>
+                        </m:sub>
+                        <m:sup>
+                          <m:r>
+                            <a:rPr lang="pt-BR" i="1">
+                              <a:latin typeface="Cambria Math" panose="02040503050406030204" pitchFamily="18" charset="0"/>
+                            </a:rPr>
+                            <m:t>𝑛</m:t>
+                          </m:r>
+                        </m:sup>
+                        <m:e>
+                          <m:r>
+                            <a:rPr lang="en-US" i="1">
+                              <a:latin typeface="Cambria Math" panose="02040503050406030204" pitchFamily="18" charset="0"/>
+                            </a:rPr>
+                            <m:t>𝑙</m:t>
+                          </m:r>
+                          <m:r>
+                            <a:rPr lang="en-US" i="1">
+                              <a:latin typeface="Cambria Math" panose="02040503050406030204" pitchFamily="18" charset="0"/>
+                            </a:rPr>
+                            <m:t>(</m:t>
+                          </m:r>
+                          <m:r>
+                            <a:rPr lang="en-US" i="1">
+                              <a:latin typeface="Cambria Math" panose="02040503050406030204" pitchFamily="18" charset="0"/>
+                            </a:rPr>
+                            <m:t>𝑦</m:t>
+                          </m:r>
+                          <m:r>
+                            <a:rPr lang="en-US" i="1">
+                              <a:latin typeface="Cambria Math" panose="02040503050406030204" pitchFamily="18" charset="0"/>
+                            </a:rPr>
+                            <m:t>,</m:t>
+                          </m:r>
+                          <m:r>
+                            <a:rPr lang="en-US" i="1">
+                              <a:latin typeface="Cambria Math" panose="02040503050406030204" pitchFamily="18" charset="0"/>
+                            </a:rPr>
+                            <m:t>𝐷</m:t>
+                          </m:r>
+                          <m:r>
+                            <a:rPr lang="en-US" i="1">
+                              <a:latin typeface="Cambria Math" panose="02040503050406030204" pitchFamily="18" charset="0"/>
+                            </a:rPr>
+                            <m:t>)</m:t>
+                          </m:r>
+                        </m:e>
+                      </m:nary>
+                    </m:oMath>
+                  </m:oMathPara>
+                </a14:m>
+                <a:endParaRPr lang="en-US" dirty="0" smtClean="0"/>
+              </a:p>
+              <a:p>
+                <a:pPr marL="0" indent="0">
+                  <a:buNone/>
+                </a:pPr>
+                <a:r>
+                  <a:rPr lang="en-US" dirty="0"/>
+                  <a:t>l(</a:t>
+                </a:r>
+                <a:r>
+                  <a:rPr lang="en-US" dirty="0" err="1"/>
+                  <a:t>y,D</a:t>
+                </a:r>
+                <a:r>
+                  <a:rPr lang="en-US"/>
+                  <a:t>) is a loss function that assumes a low value if the dictionary D is good at representing signal y. </a:t>
+                </a:r>
+              </a:p>
+              <a:p>
+                <a:pPr marL="0" indent="0">
+                  <a:buNone/>
+                </a:pPr>
+                <a:endParaRPr lang="en-US" dirty="0"/>
+              </a:p>
+            </p:txBody>
+          </p:sp>
+        </mc:Choice>
+        <mc:Fallback>
+          <p:sp>
+            <p:nvSpPr>
+              <p:cNvPr id="3" name="Content Placeholder 2"/>
+              <p:cNvSpPr>
+                <a:spLocks noGrp="1" noRot="1" noChangeAspect="1" noMove="1" noResize="1" noEditPoints="1" noAdjustHandles="1" noChangeArrowheads="1" noChangeShapeType="1" noTextEdit="1"/>
+              </p:cNvSpPr>
+              <p:nvPr>
+                <p:ph idx="1"/>
+              </p:nvPr>
+            </p:nvSpPr>
+            <p:spPr>
+              <a:blipFill rotWithShape="0">
+                <a:blip r:embed="rId2"/>
+                <a:stretch>
+                  <a:fillRect l="-1217" t="-2241" r="-464"/>
+                </a:stretch>
+              </a:blipFill>
+            </p:spPr>
+            <p:txBody>
+              <a:bodyPr/>
+              <a:lstStyle/>
+              <a:p>
+                <a:r>
+                  <a:rPr lang="en-US">
+                    <a:noFill/>
+                  </a:rPr>
+                  <a:t> </a:t>
+                </a:r>
+              </a:p>
+            </p:txBody>
+          </p:sp>
+        </mc:Fallback>
+      </mc:AlternateContent>
+    </p:spTree>
+    <p:extLst>
+      <p:ext uri="{BB962C8B-B14F-4D97-AF65-F5344CB8AC3E}">
+        <p14:creationId xmlns:p14="http://schemas.microsoft.com/office/powerpoint/2010/main" val="819605556"/>
+      </p:ext>
+    </p:extLst>
+  </p:cSld>
+  <p:clrMapOvr>
+    <a:masterClrMapping/>
+  </p:clrMapOvr>
+  <p:timing>
+    <p:tnLst>
+      <p:par>
+        <p:cTn id="1" dur="indefinite" restart="never" nodeType="tmRoot"/>
+      </p:par>
+    </p:tnLst>
+  </p:timing>
+</p:sld>
+</file>
+
+<file path=ppt/slides/slide13.xml><?xml version="1.0" encoding="utf-8"?>
+<p:sld xmlns:a="http://schemas.openxmlformats.org/drawingml/2006/main" xmlns:r="http://schemas.openxmlformats.org/officeDocument/2006/relationships" xmlns:p="http://schemas.openxmlformats.org/presentationml/2006/main">
+  <p:cSld>
+    <p:spTree>
+      <p:nvGrpSpPr>
+        <p:cNvPr id="1" name=""/>
+        <p:cNvGrpSpPr/>
+        <p:nvPr/>
+      </p:nvGrpSpPr>
+      <p:grpSpPr>
+        <a:xfrm>
+          <a:off x="0" y="0"/>
+          <a:ext cx="0" cy="0"/>
+          <a:chOff x="0" y="0"/>
+          <a:chExt cx="0" cy="0"/>
+        </a:xfrm>
+      </p:grpSpPr>
+      <p:sp>
+        <p:nvSpPr>
+          <p:cNvPr id="2" name="Title 1"/>
+          <p:cNvSpPr>
+            <a:spLocks noGrp="1"/>
+          </p:cNvSpPr>
+          <p:nvPr>
+            <p:ph type="title"/>
+          </p:nvPr>
+        </p:nvSpPr>
+        <p:spPr/>
+        <p:txBody>
+          <a:bodyPr/>
+          <a:lstStyle/>
+          <a:p>
+            <a:r>
+              <a:rPr lang="en-US" dirty="0" smtClean="0"/>
+              <a:t>K-SVD</a:t>
+            </a:r>
+            <a:endParaRPr lang="en-US" dirty="0"/>
+          </a:p>
+        </p:txBody>
+      </p:sp>
+      <p:sp>
+        <p:nvSpPr>
+          <p:cNvPr id="3" name="Content Placeholder 2"/>
+          <p:cNvSpPr>
+            <a:spLocks noGrp="1"/>
+          </p:cNvSpPr>
+          <p:nvPr>
+            <p:ph idx="1"/>
+          </p:nvPr>
+        </p:nvSpPr>
+        <p:spPr/>
+        <p:txBody>
+          <a:bodyPr/>
+          <a:lstStyle/>
+          <a:p>
+            <a:r>
+              <a:rPr lang="en-US" dirty="0" smtClean="0"/>
+              <a:t>A two step iterative process to compute </a:t>
+            </a:r>
+            <a:endParaRPr lang="en-US" dirty="0"/>
+          </a:p>
+        </p:txBody>
+      </p:sp>
+    </p:spTree>
+    <p:extLst>
+      <p:ext uri="{BB962C8B-B14F-4D97-AF65-F5344CB8AC3E}">
+        <p14:creationId xmlns:p14="http://schemas.microsoft.com/office/powerpoint/2010/main" val="2418807431"/>
+      </p:ext>
+    </p:extLst>
+  </p:cSld>
+  <p:clrMapOvr>
+    <a:masterClrMapping/>
+  </p:clrMapOvr>
+  <p:timing>
+    <p:tnLst>
+      <p:par>
+        <p:cTn id="1" dur="indefinite" restart="never" nodeType="tmRoot"/>
+      </p:par>
+    </p:tnLst>
+  </p:timing>
+</p:sld>
+</file>
+
+<file path=ppt/slides/slide14.xml><?xml version="1.0" encoding="utf-8"?>
+<p:sld xmlns:a="http://schemas.openxmlformats.org/drawingml/2006/main" xmlns:r="http://schemas.openxmlformats.org/officeDocument/2006/relationships" xmlns:p="http://schemas.openxmlformats.org/presentationml/2006/main">
+  <p:cSld>
+    <p:spTree>
+      <p:nvGrpSpPr>
+        <p:cNvPr id="1" name=""/>
+        <p:cNvGrpSpPr/>
+        <p:nvPr/>
+      </p:nvGrpSpPr>
+      <p:grpSpPr>
+        <a:xfrm>
+          <a:off x="0" y="0"/>
+          <a:ext cx="0" cy="0"/>
+          <a:chOff x="0" y="0"/>
+          <a:chExt cx="0" cy="0"/>
+        </a:xfrm>
+      </p:grpSpPr>
+      <p:sp>
+        <p:nvSpPr>
+          <p:cNvPr id="2" name="Title 1"/>
+          <p:cNvSpPr>
+            <a:spLocks noGrp="1"/>
+          </p:cNvSpPr>
+          <p:nvPr>
+            <p:ph type="title"/>
+          </p:nvPr>
+        </p:nvSpPr>
+        <p:spPr>
+          <a:xfrm>
+            <a:off x="838200" y="365125"/>
+            <a:ext cx="10515600" cy="752475"/>
+          </a:xfrm>
+        </p:spPr>
+        <p:txBody>
+          <a:bodyPr/>
+          <a:lstStyle/>
+          <a:p>
+            <a:r>
+              <a:rPr lang="en-US" dirty="0" err="1" smtClean="0"/>
+              <a:t>Sparsity</a:t>
+            </a:r>
+            <a:endParaRPr lang="en-US" dirty="0"/>
+          </a:p>
+        </p:txBody>
+      </p:sp>
+      <mc:AlternateContent xmlns:mc="http://schemas.openxmlformats.org/markup-compatibility/2006">
+        <mc:Choice xmlns:a14="http://schemas.microsoft.com/office/drawing/2010/main" Requires="a14">
+          <p:sp>
+            <p:nvSpPr>
+              <p:cNvPr id="3" name="Content Placeholder 2"/>
+              <p:cNvSpPr>
+                <a:spLocks noGrp="1"/>
+              </p:cNvSpPr>
+              <p:nvPr>
+                <p:ph idx="1"/>
+              </p:nvPr>
+            </p:nvSpPr>
+            <p:spPr>
+              <a:xfrm>
+                <a:off x="838200" y="1378857"/>
+                <a:ext cx="10515600" cy="4798106"/>
+              </a:xfrm>
+            </p:spPr>
+            <p:txBody>
+              <a:bodyPr>
+                <a:normAutofit fontScale="92500" lnSpcReduction="10000"/>
+              </a:bodyPr>
+              <a:lstStyle/>
+              <a:p>
+                <a:r>
+                  <a:rPr lang="en-US" dirty="0" smtClean="0"/>
+                  <a:t>The idea is to represent the signal in the terms of the dictionary and x, where x is a sparse vector.</a:t>
+                </a:r>
+              </a:p>
+              <a:p>
+                <a:endParaRPr lang="en-US" dirty="0"/>
+              </a:p>
+              <a:p>
+                <a:r>
+                  <a:rPr lang="en-US" dirty="0" smtClean="0"/>
+                  <a:t>This can be written mathematically as:</a:t>
+                </a:r>
+              </a:p>
+              <a:p>
+                <a:r>
+                  <a:rPr lang="en-US" dirty="0" smtClean="0"/>
+                  <a:t>min</a:t>
+                </a:r>
+                <a14:m>
+                  <m:oMath xmlns:m="http://schemas.openxmlformats.org/officeDocument/2006/math">
+                    <m:sSub>
+                      <m:sSubPr>
+                        <m:ctrlPr>
+                          <a:rPr lang="en-US" i="1" smtClean="0">
+                            <a:latin typeface="Cambria Math" panose="02040503050406030204" pitchFamily="18" charset="0"/>
+                          </a:rPr>
+                        </m:ctrlPr>
+                      </m:sSubPr>
+                      <m:e>
+                        <m:d>
+                          <m:dPr>
+                            <m:begChr m:val="‖"/>
+                            <m:endChr m:val="‖"/>
+                            <m:ctrlPr>
+                              <a:rPr lang="en-US" i="1">
+                                <a:latin typeface="Cambria Math" panose="02040503050406030204" pitchFamily="18" charset="0"/>
+                              </a:rPr>
+                            </m:ctrlPr>
+                          </m:dPr>
+                          <m:e>
+                            <m:r>
+                              <a:rPr lang="en-US" i="1">
+                                <a:latin typeface="Cambria Math" panose="02040503050406030204" pitchFamily="18" charset="0"/>
+                              </a:rPr>
+                              <m:t>𝑥</m:t>
+                            </m:r>
+                          </m:e>
+                        </m:d>
+                      </m:e>
+                      <m:sub>
+                        <m:r>
+                          <a:rPr lang="en-US" b="0" i="1" smtClean="0">
+                            <a:latin typeface="Cambria Math" panose="02040503050406030204" pitchFamily="18" charset="0"/>
+                          </a:rPr>
+                          <m:t>0</m:t>
+                        </m:r>
+                      </m:sub>
+                    </m:sSub>
+                  </m:oMath>
+                </a14:m>
+                <a:r>
+                  <a:rPr lang="en-US" dirty="0" smtClean="0"/>
+                  <a:t> subject to y = </a:t>
+                </a:r>
+                <a:r>
+                  <a:rPr lang="en-US" dirty="0" err="1" smtClean="0"/>
+                  <a:t>Dx</a:t>
+                </a:r>
+                <a:endParaRPr lang="en-US" dirty="0" smtClean="0"/>
+              </a:p>
+              <a:p>
+                <a:endParaRPr lang="en-US" dirty="0"/>
+              </a:p>
+              <a:p>
+                <a:r>
+                  <a:rPr lang="en-US" dirty="0" smtClean="0"/>
+                  <a:t>Here we use the </a:t>
+                </a:r>
+                <a14:m>
+                  <m:oMath xmlns:m="http://schemas.openxmlformats.org/officeDocument/2006/math">
+                    <m:sSub>
+                      <m:sSubPr>
+                        <m:ctrlPr>
+                          <a:rPr lang="en-US" i="1">
+                            <a:latin typeface="Cambria Math" panose="02040503050406030204" pitchFamily="18" charset="0"/>
+                          </a:rPr>
+                        </m:ctrlPr>
+                      </m:sSubPr>
+                      <m:e>
+                        <m:r>
+                          <a:rPr lang="en-US" b="0" i="1" smtClean="0">
+                            <a:latin typeface="Cambria Math" panose="02040503050406030204" pitchFamily="18" charset="0"/>
+                          </a:rPr>
+                          <m:t>𝑙</m:t>
+                        </m:r>
+                      </m:e>
+                      <m:sub>
+                        <m:r>
+                          <a:rPr lang="en-US" b="0" i="1" smtClean="0">
+                            <a:latin typeface="Cambria Math" panose="02040503050406030204" pitchFamily="18" charset="0"/>
+                          </a:rPr>
+                          <m:t>0</m:t>
+                        </m:r>
+                      </m:sub>
+                    </m:sSub>
+                  </m:oMath>
+                </a14:m>
+                <a:r>
+                  <a:rPr lang="en-US" dirty="0" smtClean="0"/>
+                  <a:t> norm of x which is </a:t>
+                </a:r>
+                <a:r>
+                  <a:rPr lang="en-US" dirty="0" err="1" smtClean="0"/>
+                  <a:t>th</a:t>
+                </a:r>
+                <a:r>
+                  <a:rPr lang="en-US" dirty="0" smtClean="0"/>
+                  <a:t> number of </a:t>
+                </a:r>
+                <a:r>
+                  <a:rPr lang="en-US" dirty="0" err="1" smtClean="0"/>
+                  <a:t>nn</a:t>
+                </a:r>
+                <a:r>
+                  <a:rPr lang="en-US" dirty="0" smtClean="0"/>
+                  <a:t>-zero elements in the vector.</a:t>
+                </a:r>
+              </a:p>
+              <a:p>
+                <a:endParaRPr lang="en-US" dirty="0"/>
+              </a:p>
+              <a:p>
+                <a:r>
+                  <a:rPr lang="en-US" dirty="0" smtClean="0"/>
+                  <a:t>This is the exact representation of the problem.</a:t>
+                </a:r>
+              </a:p>
+              <a:p>
+                <a:r>
+                  <a:rPr lang="en-US" dirty="0" smtClean="0"/>
+                  <a:t>But as it turns out, solving the above equation is NP-Hard.</a:t>
+                </a:r>
+                <a:endParaRPr lang="en-US" dirty="0"/>
+              </a:p>
+            </p:txBody>
+          </p:sp>
+        </mc:Choice>
+        <mc:Fallback>
+          <p:sp>
+            <p:nvSpPr>
+              <p:cNvPr id="3" name="Content Placeholder 2"/>
+              <p:cNvSpPr>
+                <a:spLocks noGrp="1" noRot="1" noChangeAspect="1" noMove="1" noResize="1" noEditPoints="1" noAdjustHandles="1" noChangeArrowheads="1" noChangeShapeType="1" noTextEdit="1"/>
+              </p:cNvSpPr>
+              <p:nvPr>
+                <p:ph idx="1"/>
+              </p:nvPr>
+            </p:nvSpPr>
+            <p:spPr>
+              <a:xfrm>
+                <a:off x="838200" y="1378857"/>
+                <a:ext cx="10515600" cy="4798106"/>
+              </a:xfrm>
+              <a:blipFill rotWithShape="0">
+                <a:blip r:embed="rId2"/>
+                <a:stretch>
+                  <a:fillRect l="-928" t="-2541"/>
+                </a:stretch>
+              </a:blipFill>
+            </p:spPr>
+            <p:txBody>
+              <a:bodyPr/>
+              <a:lstStyle/>
+              <a:p>
+                <a:r>
+                  <a:rPr lang="en-US">
+                    <a:noFill/>
+                  </a:rPr>
+                  <a:t> </a:t>
+                </a:r>
+              </a:p>
+            </p:txBody>
+          </p:sp>
+        </mc:Fallback>
+      </mc:AlternateContent>
+    </p:spTree>
+    <p:extLst>
+      <p:ext uri="{BB962C8B-B14F-4D97-AF65-F5344CB8AC3E}">
+        <p14:creationId xmlns:p14="http://schemas.microsoft.com/office/powerpoint/2010/main" val="1362590946"/>
+      </p:ext>
+    </p:extLst>
+  </p:cSld>
+  <p:clrMapOvr>
+    <a:masterClrMapping/>
+  </p:clrMapOvr>
+  <p:timing>
+    <p:tnLst>
+      <p:par>
+        <p:cTn id="1" dur="indefinite" restart="never" nodeType="tmRoot"/>
+      </p:par>
+    </p:tnLst>
+  </p:timing>
+</p:sld>
+</file>
+
+<file path=ppt/slides/slide15.xml><?xml version="1.0" encoding="utf-8"?>
+<p:sld xmlns:a="http://schemas.openxmlformats.org/drawingml/2006/main" xmlns:r="http://schemas.openxmlformats.org/officeDocument/2006/relationships" xmlns:p="http://schemas.openxmlformats.org/presentationml/2006/main">
+  <p:cSld>
+    <p:spTree>
+      <p:nvGrpSpPr>
+        <p:cNvPr id="1" name=""/>
+        <p:cNvGrpSpPr/>
+        <p:nvPr/>
+      </p:nvGrpSpPr>
+      <p:grpSpPr>
+        <a:xfrm>
+          <a:off x="0" y="0"/>
+          <a:ext cx="0" cy="0"/>
+          <a:chOff x="0" y="0"/>
+          <a:chExt cx="0" cy="0"/>
+        </a:xfrm>
+      </p:grpSpPr>
+      <p:sp>
+        <p:nvSpPr>
+          <p:cNvPr id="2" name="Title 1"/>
+          <p:cNvSpPr>
+            <a:spLocks noGrp="1"/>
+          </p:cNvSpPr>
+          <p:nvPr>
+            <p:ph type="title"/>
+          </p:nvPr>
+        </p:nvSpPr>
+        <p:spPr>
+          <a:xfrm>
+            <a:off x="838200" y="365126"/>
+            <a:ext cx="10515600" cy="781504"/>
+          </a:xfrm>
+        </p:spPr>
+        <p:txBody>
+          <a:bodyPr/>
+          <a:lstStyle/>
+          <a:p>
+            <a:r>
+              <a:rPr lang="en-US" dirty="0" smtClean="0"/>
+              <a:t>Approach Used</a:t>
+            </a:r>
+            <a:endParaRPr lang="en-US" dirty="0"/>
+          </a:p>
+        </p:txBody>
+      </p:sp>
+      <mc:AlternateContent xmlns:mc="http://schemas.openxmlformats.org/markup-compatibility/2006">
+        <mc:Choice xmlns:a14="http://schemas.microsoft.com/office/drawing/2010/main" Requires="a14">
+          <p:sp>
+            <p:nvSpPr>
+              <p:cNvPr id="3" name="Content Placeholder 2"/>
+              <p:cNvSpPr>
+                <a:spLocks noGrp="1"/>
+              </p:cNvSpPr>
+              <p:nvPr>
+                <p:ph idx="1"/>
+              </p:nvPr>
+            </p:nvSpPr>
+            <p:spPr>
+              <a:xfrm>
+                <a:off x="838200" y="1465943"/>
+                <a:ext cx="10515600" cy="4711020"/>
+              </a:xfrm>
+            </p:spPr>
+            <p:txBody>
+              <a:bodyPr/>
+              <a:lstStyle/>
+              <a:p>
+                <a:r>
+                  <a:rPr lang="en-US" dirty="0" smtClean="0"/>
+                  <a:t>A slightly relaxed form of the previous equation is where we do not represent y exactly but with a some error.</a:t>
+                </a:r>
+              </a:p>
+              <a:p>
+                <a:r>
+                  <a:rPr lang="en-US" dirty="0" smtClean="0"/>
+                  <a:t>This leads to:</a:t>
+                </a:r>
+                <a:r>
+                  <a:rPr lang="en-US" dirty="0"/>
+                  <a:t> </a:t>
+                </a:r>
+                <a:endParaRPr lang="en-US" dirty="0" smtClean="0"/>
+              </a:p>
+              <a:p>
+                <a:r>
+                  <a:rPr lang="en-US" dirty="0" smtClean="0"/>
+                  <a:t>min</a:t>
+                </a:r>
+                <a14:m>
+                  <m:oMath xmlns:m="http://schemas.openxmlformats.org/officeDocument/2006/math">
+                    <m:sSub>
+                      <m:sSubPr>
+                        <m:ctrlPr>
+                          <a:rPr lang="en-US" i="1">
+                            <a:latin typeface="Cambria Math" panose="02040503050406030204" pitchFamily="18" charset="0"/>
+                          </a:rPr>
+                        </m:ctrlPr>
+                      </m:sSubPr>
+                      <m:e>
+                        <m:d>
+                          <m:dPr>
+                            <m:begChr m:val="‖"/>
+                            <m:endChr m:val="‖"/>
+                            <m:ctrlPr>
+                              <a:rPr lang="en-US" i="1">
+                                <a:latin typeface="Cambria Math" panose="02040503050406030204" pitchFamily="18" charset="0"/>
+                              </a:rPr>
+                            </m:ctrlPr>
+                          </m:dPr>
+                          <m:e>
+                            <m:r>
+                              <a:rPr lang="en-US" i="1">
+                                <a:latin typeface="Cambria Math" panose="02040503050406030204" pitchFamily="18" charset="0"/>
+                              </a:rPr>
+                              <m:t>𝑥</m:t>
+                            </m:r>
+                          </m:e>
+                        </m:d>
+                      </m:e>
+                      <m:sub>
+                        <m:r>
+                          <a:rPr lang="en-US" i="1">
+                            <a:latin typeface="Cambria Math" panose="02040503050406030204" pitchFamily="18" charset="0"/>
+                          </a:rPr>
+                          <m:t>0</m:t>
+                        </m:r>
+                      </m:sub>
+                    </m:sSub>
+                  </m:oMath>
+                </a14:m>
+                <a:r>
+                  <a:rPr lang="en-US" dirty="0"/>
+                  <a:t> </a:t>
+                </a:r>
+                <a:r>
+                  <a:rPr lang="en-US" dirty="0" smtClean="0"/>
+                  <a:t>subject to </a:t>
+                </a:r>
+                <a14:m>
+                  <m:oMath xmlns:m="http://schemas.openxmlformats.org/officeDocument/2006/math">
+                    <m:sSup>
+                      <m:sSupPr>
+                        <m:ctrlPr>
+                          <a:rPr lang="en-US" i="1">
+                            <a:latin typeface="Cambria Math" panose="02040503050406030204" pitchFamily="18" charset="0"/>
+                          </a:rPr>
+                        </m:ctrlPr>
+                      </m:sSupPr>
+                      <m:e>
+                        <m:d>
+                          <m:dPr>
+                            <m:begChr m:val="‖"/>
+                            <m:endChr m:val="‖"/>
+                            <m:ctrlPr>
+                              <a:rPr lang="en-US" i="1">
+                                <a:latin typeface="Cambria Math" panose="02040503050406030204" pitchFamily="18" charset="0"/>
+                              </a:rPr>
+                            </m:ctrlPr>
+                          </m:dPr>
+                          <m:e>
+                            <m:r>
+                              <a:rPr lang="en-US" i="1">
+                                <a:latin typeface="Cambria Math" panose="02040503050406030204" pitchFamily="18" charset="0"/>
+                              </a:rPr>
+                              <m:t>𝑦</m:t>
+                            </m:r>
+                            <m:r>
+                              <a:rPr lang="en-US" i="1">
+                                <a:latin typeface="Cambria Math" panose="02040503050406030204" pitchFamily="18" charset="0"/>
+                              </a:rPr>
+                              <m:t>−</m:t>
+                            </m:r>
+                            <m:r>
+                              <a:rPr lang="en-US" i="1">
+                                <a:latin typeface="Cambria Math" panose="02040503050406030204" pitchFamily="18" charset="0"/>
+                              </a:rPr>
+                              <m:t>𝐷𝑥</m:t>
+                            </m:r>
+                          </m:e>
+                        </m:d>
+                      </m:e>
+                      <m:sup>
+                        <m:r>
+                          <a:rPr lang="en-US" i="1">
+                            <a:latin typeface="Cambria Math" panose="02040503050406030204" pitchFamily="18" charset="0"/>
+                          </a:rPr>
+                          <m:t>2</m:t>
+                        </m:r>
+                      </m:sup>
+                    </m:sSup>
+                  </m:oMath>
+                </a14:m>
+                <a:r>
+                  <a:rPr lang="en-US" dirty="0" smtClean="0"/>
+                  <a:t> &lt; </a:t>
+                </a:r>
+                <a:r>
+                  <a:rPr lang="el-GR" dirty="0" smtClean="0"/>
+                  <a:t>ε</a:t>
+                </a:r>
+                <a:endParaRPr lang="en-US" dirty="0" smtClean="0"/>
+              </a:p>
+              <a:p>
+                <a:endParaRPr lang="en-US" dirty="0"/>
+              </a:p>
+              <a:p>
+                <a:r>
+                  <a:rPr lang="en-US" dirty="0" smtClean="0"/>
+                  <a:t>But still solving this is hard.</a:t>
+                </a:r>
+              </a:p>
+              <a:p>
+                <a:r>
+                  <a:rPr lang="en-US" dirty="0" smtClean="0"/>
+                  <a:t>So what do we do?</a:t>
+                </a:r>
+              </a:p>
+              <a:p>
+                <a:r>
+                  <a:rPr lang="en-US" dirty="0" smtClean="0"/>
+                  <a:t>There are two approaches which can be followed from here on.</a:t>
+                </a:r>
+                <a:endParaRPr lang="en-US" dirty="0"/>
+              </a:p>
+            </p:txBody>
+          </p:sp>
+        </mc:Choice>
+        <mc:Fallback>
+          <p:sp>
+            <p:nvSpPr>
+              <p:cNvPr id="3" name="Content Placeholder 2"/>
+              <p:cNvSpPr>
+                <a:spLocks noGrp="1" noRot="1" noChangeAspect="1" noMove="1" noResize="1" noEditPoints="1" noAdjustHandles="1" noChangeArrowheads="1" noChangeShapeType="1" noTextEdit="1"/>
+              </p:cNvSpPr>
+              <p:nvPr>
+                <p:ph idx="1"/>
+              </p:nvPr>
+            </p:nvSpPr>
+            <p:spPr>
+              <a:xfrm>
+                <a:off x="838200" y="1465943"/>
+                <a:ext cx="10515600" cy="4711020"/>
+              </a:xfrm>
+              <a:blipFill rotWithShape="0">
+                <a:blip r:embed="rId2"/>
+                <a:stretch>
+                  <a:fillRect l="-1043" t="-2070"/>
+                </a:stretch>
+              </a:blipFill>
+            </p:spPr>
+            <p:txBody>
+              <a:bodyPr/>
+              <a:lstStyle/>
+              <a:p>
+                <a:r>
+                  <a:rPr lang="en-US">
+                    <a:noFill/>
+                  </a:rPr>
+                  <a:t> </a:t>
+                </a:r>
+              </a:p>
+            </p:txBody>
+          </p:sp>
+        </mc:Fallback>
+      </mc:AlternateContent>
+    </p:spTree>
+    <p:extLst>
+      <p:ext uri="{BB962C8B-B14F-4D97-AF65-F5344CB8AC3E}">
+        <p14:creationId xmlns:p14="http://schemas.microsoft.com/office/powerpoint/2010/main" val="582533045"/>
+      </p:ext>
+    </p:extLst>
+  </p:cSld>
+  <p:clrMapOvr>
+    <a:masterClrMapping/>
+  </p:clrMapOvr>
+  <p:timing>
+    <p:tnLst>
+      <p:par>
+        <p:cTn id="1" dur="indefinite" restart="never" nodeType="tmRoot"/>
+      </p:par>
+    </p:tnLst>
+  </p:timing>
+</p:sld>
+</file>
+
+<file path=ppt/slides/slide16.xml><?xml version="1.0" encoding="utf-8"?>
+<p:sld xmlns:a="http://schemas.openxmlformats.org/drawingml/2006/main" xmlns:r="http://schemas.openxmlformats.org/officeDocument/2006/relationships" xmlns:p="http://schemas.openxmlformats.org/presentationml/2006/main">
+  <p:cSld>
+    <p:spTree>
+      <p:nvGrpSpPr>
+        <p:cNvPr id="1" name=""/>
+        <p:cNvGrpSpPr/>
+        <p:nvPr/>
+      </p:nvGrpSpPr>
+      <p:grpSpPr>
+        <a:xfrm>
+          <a:off x="0" y="0"/>
+          <a:ext cx="0" cy="0"/>
+          <a:chOff x="0" y="0"/>
+          <a:chExt cx="0" cy="0"/>
+        </a:xfrm>
+      </p:grpSpPr>
+      <p:sp>
+        <p:nvSpPr>
+          <p:cNvPr id="2" name="Title 1"/>
+          <p:cNvSpPr>
+            <a:spLocks noGrp="1"/>
+          </p:cNvSpPr>
+          <p:nvPr>
+            <p:ph type="title"/>
+          </p:nvPr>
+        </p:nvSpPr>
+        <p:spPr>
+          <a:xfrm>
+            <a:off x="838200" y="365125"/>
+            <a:ext cx="10515600" cy="955675"/>
+          </a:xfrm>
+        </p:spPr>
+        <p:txBody>
+          <a:bodyPr/>
+          <a:lstStyle/>
+          <a:p>
+            <a:r>
+              <a:rPr lang="en-US" dirty="0" smtClean="0"/>
+              <a:t>Greedy Approach (Matching Pursuit)</a:t>
+            </a:r>
+            <a:endParaRPr lang="en-US" dirty="0"/>
+          </a:p>
+        </p:txBody>
+      </p:sp>
+      <p:sp>
+        <p:nvSpPr>
+          <p:cNvPr id="3" name="Content Placeholder 2"/>
+          <p:cNvSpPr>
+            <a:spLocks noGrp="1"/>
+          </p:cNvSpPr>
+          <p:nvPr>
+            <p:ph idx="1"/>
+          </p:nvPr>
+        </p:nvSpPr>
+        <p:spPr>
+          <a:xfrm>
+            <a:off x="838200" y="1422400"/>
+            <a:ext cx="10515600" cy="4754563"/>
+          </a:xfrm>
+        </p:spPr>
+        <p:txBody>
+          <a:bodyPr/>
+          <a:lstStyle/>
+          <a:p>
+            <a:endParaRPr lang="en-US" dirty="0"/>
+          </a:p>
+        </p:txBody>
+      </p:sp>
+    </p:spTree>
+    <p:extLst>
+      <p:ext uri="{BB962C8B-B14F-4D97-AF65-F5344CB8AC3E}">
+        <p14:creationId xmlns:p14="http://schemas.microsoft.com/office/powerpoint/2010/main" val="2154136314"/>
+      </p:ext>
+    </p:extLst>
+  </p:cSld>
+  <p:clrMapOvr>
+    <a:masterClrMapping/>
+  </p:clrMapOvr>
+  <p:timing>
+    <p:tnLst>
+      <p:par>
+        <p:cTn id="1" dur="indefinite" restart="never" nodeType="tmRoot"/>
+      </p:par>
+    </p:tnLst>
+  </p:timing>
+</p:sld>
+</file>
+
+<file path=ppt/slides/slide17.xml><?xml version="1.0" encoding="utf-8"?>
+<p:sld xmlns:a="http://schemas.openxmlformats.org/drawingml/2006/main" xmlns:r="http://schemas.openxmlformats.org/officeDocument/2006/relationships" xmlns:p="http://schemas.openxmlformats.org/presentationml/2006/main">
+  <p:cSld>
+    <p:spTree>
+      <p:nvGrpSpPr>
+        <p:cNvPr id="1" name=""/>
+        <p:cNvGrpSpPr/>
+        <p:nvPr/>
+      </p:nvGrpSpPr>
+      <p:grpSpPr>
+        <a:xfrm>
+          <a:off x="0" y="0"/>
+          <a:ext cx="0" cy="0"/>
+          <a:chOff x="0" y="0"/>
+          <a:chExt cx="0" cy="0"/>
+        </a:xfrm>
+      </p:grpSpPr>
+      <p:sp>
+        <p:nvSpPr>
+          <p:cNvPr id="2" name="Title 1"/>
+          <p:cNvSpPr>
+            <a:spLocks noGrp="1"/>
+          </p:cNvSpPr>
+          <p:nvPr>
+            <p:ph type="title"/>
+          </p:nvPr>
+        </p:nvSpPr>
+        <p:spPr/>
+        <p:txBody>
+          <a:bodyPr/>
+          <a:lstStyle/>
+          <a:p>
+            <a:r>
+              <a:rPr lang="en-US" dirty="0" smtClean="0"/>
+              <a:t>Basis Pursuit</a:t>
+            </a:r>
+            <a:endParaRPr lang="en-US" dirty="0"/>
+          </a:p>
+        </p:txBody>
+      </p:sp>
+      <mc:AlternateContent xmlns:mc="http://schemas.openxmlformats.org/markup-compatibility/2006">
+        <mc:Choice xmlns:a14="http://schemas.microsoft.com/office/drawing/2010/main" Requires="a14">
+          <p:sp>
+            <p:nvSpPr>
+              <p:cNvPr id="3" name="Content Placeholder 2"/>
+              <p:cNvSpPr>
+                <a:spLocks noGrp="1"/>
+              </p:cNvSpPr>
+              <p:nvPr>
+                <p:ph idx="1"/>
+              </p:nvPr>
+            </p:nvSpPr>
+            <p:spPr>
+              <a:xfrm>
+                <a:off x="838200" y="1393371"/>
+                <a:ext cx="10515600" cy="4783592"/>
+              </a:xfrm>
+            </p:spPr>
+            <p:txBody>
+              <a:bodyPr/>
+              <a:lstStyle/>
+              <a:p>
+                <a:r>
+                  <a:rPr lang="en-US" dirty="0" smtClean="0"/>
+                  <a:t>The original equation can be converted to a convex form by relaxing the </a:t>
+                </a:r>
+                <a14:m>
+                  <m:oMath xmlns:m="http://schemas.openxmlformats.org/officeDocument/2006/math">
+                    <m:sSub>
+                      <m:sSubPr>
+                        <m:ctrlPr>
+                          <a:rPr lang="en-US" i="1">
+                            <a:latin typeface="Cambria Math" panose="02040503050406030204" pitchFamily="18" charset="0"/>
+                          </a:rPr>
+                        </m:ctrlPr>
+                      </m:sSubPr>
+                      <m:e>
+                        <m:r>
+                          <a:rPr lang="en-US" i="1">
+                            <a:latin typeface="Cambria Math" panose="02040503050406030204" pitchFamily="18" charset="0"/>
+                          </a:rPr>
+                          <m:t>𝑙</m:t>
+                        </m:r>
+                      </m:e>
+                      <m:sub>
+                        <m:r>
+                          <a:rPr lang="en-US" i="1">
+                            <a:latin typeface="Cambria Math" panose="02040503050406030204" pitchFamily="18" charset="0"/>
+                          </a:rPr>
+                          <m:t>0</m:t>
+                        </m:r>
+                      </m:sub>
+                    </m:sSub>
+                  </m:oMath>
+                </a14:m>
+                <a:r>
+                  <a:rPr lang="en-US" dirty="0" smtClean="0"/>
+                  <a:t> norm with </a:t>
+                </a:r>
+                <a14:m>
+                  <m:oMath xmlns:m="http://schemas.openxmlformats.org/officeDocument/2006/math">
+                    <m:sSub>
+                      <m:sSubPr>
+                        <m:ctrlPr>
+                          <a:rPr lang="en-US" i="1">
+                            <a:latin typeface="Cambria Math" panose="02040503050406030204" pitchFamily="18" charset="0"/>
+                          </a:rPr>
+                        </m:ctrlPr>
+                      </m:sSubPr>
+                      <m:e>
+                        <m:r>
+                          <a:rPr lang="en-US" i="1">
+                            <a:latin typeface="Cambria Math" panose="02040503050406030204" pitchFamily="18" charset="0"/>
+                          </a:rPr>
+                          <m:t>𝑙</m:t>
+                        </m:r>
+                      </m:e>
+                      <m:sub>
+                        <m:r>
+                          <a:rPr lang="en-US" b="0" i="1" smtClean="0">
+                            <a:latin typeface="Cambria Math" panose="02040503050406030204" pitchFamily="18" charset="0"/>
+                          </a:rPr>
+                          <m:t>1</m:t>
+                        </m:r>
+                      </m:sub>
+                    </m:sSub>
+                  </m:oMath>
+                </a14:m>
+                <a:r>
+                  <a:rPr lang="en-US" dirty="0" smtClean="0"/>
+                  <a:t> norm.</a:t>
+                </a:r>
+                <a:endParaRPr lang="en-US" dirty="0"/>
+              </a:p>
+            </p:txBody>
+          </p:sp>
+        </mc:Choice>
+        <mc:Fallback>
+          <p:sp>
+            <p:nvSpPr>
+              <p:cNvPr id="3" name="Content Placeholder 2"/>
+              <p:cNvSpPr>
+                <a:spLocks noGrp="1" noRot="1" noChangeAspect="1" noMove="1" noResize="1" noEditPoints="1" noAdjustHandles="1" noChangeArrowheads="1" noChangeShapeType="1" noTextEdit="1"/>
+              </p:cNvSpPr>
+              <p:nvPr>
+                <p:ph idx="1"/>
+              </p:nvPr>
+            </p:nvSpPr>
+            <p:spPr>
+              <a:xfrm>
+                <a:off x="838200" y="1393371"/>
+                <a:ext cx="10515600" cy="4783592"/>
+              </a:xfrm>
+              <a:blipFill rotWithShape="0">
+                <a:blip r:embed="rId2"/>
+                <a:stretch>
+                  <a:fillRect l="-1043" t="-2168"/>
+                </a:stretch>
+              </a:blipFill>
+            </p:spPr>
+            <p:txBody>
+              <a:bodyPr/>
+              <a:lstStyle/>
+              <a:p>
+                <a:r>
+                  <a:rPr lang="en-US">
+                    <a:noFill/>
+                  </a:rPr>
+                  <a:t> </a:t>
+                </a:r>
+              </a:p>
+            </p:txBody>
+          </p:sp>
+        </mc:Fallback>
+      </mc:AlternateContent>
+      <mc:AlternateContent xmlns:mc="http://schemas.openxmlformats.org/markup-compatibility/2006">
+        <mc:Choice xmlns:a14="http://schemas.microsoft.com/office/drawing/2010/main" Requires="a14">
+          <p:sp>
+            <p:nvSpPr>
+              <p:cNvPr id="4" name="TextBox 3"/>
+              <p:cNvSpPr txBox="1"/>
+              <p:nvPr/>
+            </p:nvSpPr>
+            <p:spPr>
+              <a:xfrm>
+                <a:off x="4143491" y="4354286"/>
+                <a:ext cx="4768280" cy="483466"/>
+              </a:xfrm>
+              <a:prstGeom prst="rect">
+                <a:avLst/>
+              </a:prstGeom>
+              <a:noFill/>
+            </p:spPr>
+            <p:txBody>
+              <a:bodyPr wrap="square" rtlCol="0">
+                <a:spAutoFit/>
+              </a:bodyPr>
+              <a:lstStyle/>
+              <a:p>
+                <a14:m>
+                  <m:oMath xmlns:m="http://schemas.openxmlformats.org/officeDocument/2006/math">
+                    <m:r>
+                      <a:rPr lang="en-US" b="0" i="1" smtClean="0">
+                        <a:latin typeface="Cambria Math" panose="02040503050406030204" pitchFamily="18" charset="0"/>
+                      </a:rPr>
+                      <m:t>𝑙</m:t>
+                    </m:r>
+                    <m:d>
+                      <m:dPr>
+                        <m:ctrlPr>
+                          <a:rPr lang="en-US" b="0" i="1" smtClean="0">
+                            <a:latin typeface="Cambria Math" panose="02040503050406030204" pitchFamily="18" charset="0"/>
+                          </a:rPr>
+                        </m:ctrlPr>
+                      </m:dPr>
+                      <m:e>
+                        <m:r>
+                          <a:rPr lang="en-US" b="0" i="1" smtClean="0">
+                            <a:latin typeface="Cambria Math" panose="02040503050406030204" pitchFamily="18" charset="0"/>
+                          </a:rPr>
+                          <m:t>𝑦</m:t>
+                        </m:r>
+                        <m:r>
+                          <a:rPr lang="en-US" b="0" i="1" smtClean="0">
+                            <a:latin typeface="Cambria Math" panose="02040503050406030204" pitchFamily="18" charset="0"/>
+                          </a:rPr>
+                          <m:t>,</m:t>
+                        </m:r>
+                        <m:r>
+                          <a:rPr lang="en-US" b="0" i="1" smtClean="0">
+                            <a:latin typeface="Cambria Math" panose="02040503050406030204" pitchFamily="18" charset="0"/>
+                          </a:rPr>
+                          <m:t>𝐷</m:t>
+                        </m:r>
+                      </m:e>
+                    </m:d>
+                    <m:r>
+                      <a:rPr lang="en-US" b="0" i="1" smtClean="0">
+                        <a:latin typeface="Cambria Math" panose="02040503050406030204" pitchFamily="18" charset="0"/>
+                      </a:rPr>
+                      <m:t>=</m:t>
+                    </m:r>
+                    <m:func>
+                      <m:funcPr>
+                        <m:ctrlPr>
+                          <a:rPr lang="en-US" b="0" i="1" smtClean="0">
+                            <a:latin typeface="Cambria Math" panose="02040503050406030204" pitchFamily="18" charset="0"/>
+                          </a:rPr>
+                        </m:ctrlPr>
+                      </m:funcPr>
+                      <m:fName>
+                        <m:r>
+                          <m:rPr>
+                            <m:sty m:val="p"/>
+                          </m:rPr>
+                          <a:rPr lang="en-US" b="0" i="0" smtClean="0">
+                            <a:latin typeface="Cambria Math" panose="02040503050406030204" pitchFamily="18" charset="0"/>
+                          </a:rPr>
+                          <m:t>min</m:t>
+                        </m:r>
+                      </m:fName>
+                      <m:e>
+                        <m:f>
+                          <m:fPr>
+                            <m:ctrlPr>
+                              <a:rPr lang="en-US" b="0" i="1" smtClean="0">
+                                <a:latin typeface="Cambria Math" panose="02040503050406030204" pitchFamily="18" charset="0"/>
+                              </a:rPr>
+                            </m:ctrlPr>
+                          </m:fPr>
+                          <m:num>
+                            <m:r>
+                              <a:rPr lang="en-US" b="0" i="1" smtClean="0">
+                                <a:latin typeface="Cambria Math" panose="02040503050406030204" pitchFamily="18" charset="0"/>
+                              </a:rPr>
+                              <m:t>1</m:t>
+                            </m:r>
+                          </m:num>
+                          <m:den>
+                            <m:r>
+                              <a:rPr lang="en-US" b="0" i="1" smtClean="0">
+                                <a:latin typeface="Cambria Math" panose="02040503050406030204" pitchFamily="18" charset="0"/>
+                              </a:rPr>
+                              <m:t>2</m:t>
+                            </m:r>
+                          </m:den>
+                        </m:f>
+                      </m:e>
+                    </m:func>
+                    <m:sSup>
+                      <m:sSupPr>
+                        <m:ctrlPr>
+                          <a:rPr lang="en-US" b="0" i="1" smtClean="0">
+                            <a:latin typeface="Cambria Math" panose="02040503050406030204" pitchFamily="18" charset="0"/>
+                          </a:rPr>
+                        </m:ctrlPr>
+                      </m:sSupPr>
+                      <m:e>
+                        <m:d>
+                          <m:dPr>
+                            <m:begChr m:val="‖"/>
+                            <m:endChr m:val="‖"/>
+                            <m:ctrlPr>
+                              <a:rPr lang="en-US" i="1">
+                                <a:latin typeface="Cambria Math" panose="02040503050406030204" pitchFamily="18" charset="0"/>
+                              </a:rPr>
+                            </m:ctrlPr>
+                          </m:dPr>
+                          <m:e>
+                            <m:r>
+                              <a:rPr lang="en-US" i="1">
+                                <a:latin typeface="Cambria Math" panose="02040503050406030204" pitchFamily="18" charset="0"/>
+                              </a:rPr>
+                              <m:t>𝑦</m:t>
+                            </m:r>
+                            <m:r>
+                              <a:rPr lang="en-US" i="1">
+                                <a:latin typeface="Cambria Math" panose="02040503050406030204" pitchFamily="18" charset="0"/>
+                              </a:rPr>
+                              <m:t>−</m:t>
+                            </m:r>
+                            <m:r>
+                              <a:rPr lang="en-US" i="1">
+                                <a:latin typeface="Cambria Math" panose="02040503050406030204" pitchFamily="18" charset="0"/>
+                              </a:rPr>
+                              <m:t>𝐷𝑥</m:t>
+                            </m:r>
+                          </m:e>
+                        </m:d>
+                      </m:e>
+                      <m:sup>
+                        <m:r>
+                          <a:rPr lang="en-US" b="0" i="1" smtClean="0">
+                            <a:latin typeface="Cambria Math" panose="02040503050406030204" pitchFamily="18" charset="0"/>
+                          </a:rPr>
+                          <m:t>2</m:t>
+                        </m:r>
+                      </m:sup>
+                    </m:sSup>
+                  </m:oMath>
+                </a14:m>
+                <a:r>
+                  <a:rPr lang="en-US" dirty="0" smtClean="0"/>
+                  <a:t>  + ̬</a:t>
+                </a:r>
+                <a:r>
+                  <a:rPr lang="el-GR" dirty="0" smtClean="0"/>
+                  <a:t>λ</a:t>
+                </a:r>
+                <a14:m>
+                  <m:oMath xmlns:m="http://schemas.openxmlformats.org/officeDocument/2006/math">
+                    <m:sSub>
+                      <m:sSubPr>
+                        <m:ctrlPr>
+                          <a:rPr lang="en-US" i="1" smtClean="0">
+                            <a:latin typeface="Cambria Math" panose="02040503050406030204" pitchFamily="18" charset="0"/>
+                          </a:rPr>
+                        </m:ctrlPr>
+                      </m:sSubPr>
+                      <m:e>
+                        <m:d>
+                          <m:dPr>
+                            <m:begChr m:val="‖"/>
+                            <m:endChr m:val="‖"/>
+                            <m:ctrlPr>
+                              <a:rPr lang="en-US" i="1">
+                                <a:latin typeface="Cambria Math" panose="02040503050406030204" pitchFamily="18" charset="0"/>
+                              </a:rPr>
+                            </m:ctrlPr>
+                          </m:dPr>
+                          <m:e>
+                            <m:r>
+                              <a:rPr lang="en-US" i="1">
+                                <a:latin typeface="Cambria Math" panose="02040503050406030204" pitchFamily="18" charset="0"/>
+                              </a:rPr>
+                              <m:t>𝑥</m:t>
+                            </m:r>
+                          </m:e>
+                        </m:d>
+                      </m:e>
+                      <m:sub>
+                        <m:r>
+                          <a:rPr lang="en-US" b="0" i="1" smtClean="0">
+                            <a:latin typeface="Cambria Math" panose="02040503050406030204" pitchFamily="18" charset="0"/>
+                          </a:rPr>
+                          <m:t>1</m:t>
+                        </m:r>
+                      </m:sub>
+                    </m:sSub>
+                  </m:oMath>
+                </a14:m>
+                <a:r>
+                  <a:rPr lang="en-US" dirty="0" smtClean="0"/>
+                  <a:t> </a:t>
+                </a:r>
+                <a:endParaRPr lang="en-US" dirty="0"/>
+              </a:p>
+            </p:txBody>
+          </p:sp>
+        </mc:Choice>
+        <mc:Fallback>
+          <p:sp>
+            <p:nvSpPr>
+              <p:cNvPr id="4" name="TextBox 3"/>
+              <p:cNvSpPr txBox="1">
+                <a:spLocks noRot="1" noChangeAspect="1" noMove="1" noResize="1" noEditPoints="1" noAdjustHandles="1" noChangeArrowheads="1" noChangeShapeType="1" noTextEdit="1"/>
+              </p:cNvSpPr>
+              <p:nvPr/>
+            </p:nvSpPr>
+            <p:spPr>
+              <a:xfrm>
+                <a:off x="4143491" y="4354286"/>
+                <a:ext cx="4768280" cy="483466"/>
+              </a:xfrm>
+              <a:prstGeom prst="rect">
+                <a:avLst/>
+              </a:prstGeom>
+              <a:blipFill rotWithShape="0">
+                <a:blip r:embed="rId3"/>
+                <a:stretch>
+                  <a:fillRect b="-7500"/>
+                </a:stretch>
+              </a:blipFill>
+            </p:spPr>
+            <p:txBody>
+              <a:bodyPr/>
+              <a:lstStyle/>
+              <a:p>
+                <a:r>
+                  <a:rPr lang="en-US">
+                    <a:noFill/>
+                  </a:rPr>
+                  <a:t> </a:t>
+                </a:r>
+              </a:p>
+            </p:txBody>
+          </p:sp>
+        </mc:Fallback>
+      </mc:AlternateContent>
+    </p:spTree>
+    <p:extLst>
+      <p:ext uri="{BB962C8B-B14F-4D97-AF65-F5344CB8AC3E}">
+        <p14:creationId xmlns:p14="http://schemas.microsoft.com/office/powerpoint/2010/main" val="2952286834"/>
+      </p:ext>
+    </p:extLst>
+  </p:cSld>
+  <p:clrMapOvr>
+    <a:masterClrMapping/>
+  </p:clrMapOvr>
+  <p:timing>
+    <p:tnLst>
+      <p:par>
+        <p:cTn id="1" dur="indefinite" restart="never" nodeType="tmRoot"/>
+      </p:par>
+    </p:tnLst>
+  </p:timing>
+</p:sld>
+</file>
+
+<file path=ppt/slides/slide18.xml><?xml version="1.0" encoding="utf-8"?>
+<p:sld xmlns:a="http://schemas.openxmlformats.org/drawingml/2006/main" xmlns:r="http://schemas.openxmlformats.org/officeDocument/2006/relationships" xmlns:p="http://schemas.openxmlformats.org/presentationml/2006/main">
+  <p:cSld>
+    <p:spTree>
+      <p:nvGrpSpPr>
+        <p:cNvPr id="1" name=""/>
+        <p:cNvGrpSpPr/>
+        <p:nvPr/>
+      </p:nvGrpSpPr>
+      <p:grpSpPr>
+        <a:xfrm>
+          <a:off x="0" y="0"/>
+          <a:ext cx="0" cy="0"/>
+          <a:chOff x="0" y="0"/>
+          <a:chExt cx="0" cy="0"/>
+        </a:xfrm>
+      </p:grpSpPr>
+      <p:sp>
+        <p:nvSpPr>
+          <p:cNvPr id="2" name="Title 1"/>
+          <p:cNvSpPr>
+            <a:spLocks noGrp="1"/>
+          </p:cNvSpPr>
+          <p:nvPr>
+            <p:ph type="title"/>
+          </p:nvPr>
+        </p:nvSpPr>
+        <p:spPr>
+          <a:xfrm>
+            <a:off x="939800" y="1000352"/>
+            <a:ext cx="10515600" cy="1325563"/>
+          </a:xfrm>
+        </p:spPr>
+        <p:txBody>
+          <a:bodyPr/>
+          <a:lstStyle/>
+          <a:p>
+            <a:pPr algn="ctr"/>
+            <a:r>
+              <a:rPr lang="en-US" dirty="0" smtClean="0"/>
+              <a:t>SPARSE CODING TECHNIQUES USED</a:t>
+            </a:r>
+            <a:endParaRPr lang="en-US" dirty="0"/>
+          </a:p>
+        </p:txBody>
+      </p:sp>
+      <p:sp>
+        <p:nvSpPr>
+          <p:cNvPr id="3" name="Content Placeholder 2"/>
+          <p:cNvSpPr>
+            <a:spLocks noGrp="1"/>
+          </p:cNvSpPr>
+          <p:nvPr>
+            <p:ph idx="1"/>
+          </p:nvPr>
+        </p:nvSpPr>
+        <p:spPr>
+          <a:xfrm>
+            <a:off x="1099457" y="2173968"/>
+            <a:ext cx="10515600" cy="4351338"/>
+          </a:xfrm>
+        </p:spPr>
+        <p:txBody>
+          <a:bodyPr/>
+          <a:lstStyle/>
+          <a:p>
+            <a:endParaRPr lang="en-US" dirty="0"/>
+          </a:p>
+        </p:txBody>
+      </p:sp>
+    </p:spTree>
+    <p:extLst>
+      <p:ext uri="{BB962C8B-B14F-4D97-AF65-F5344CB8AC3E}">
+        <p14:creationId xmlns:p14="http://schemas.microsoft.com/office/powerpoint/2010/main" val="225653828"/>
+      </p:ext>
+    </p:extLst>
+  </p:cSld>
+  <p:clrMapOvr>
+    <a:masterClrMapping/>
+  </p:clrMapOvr>
+  <p:timing>
+    <p:tnLst>
+      <p:par>
+        <p:cTn id="1" dur="indefinite" restart="never" nodeType="tmRoot"/>
+      </p:par>
+    </p:tnLst>
+  </p:timing>
+</p:sld>
+</file>
+
+<file path=ppt/slides/slide19.xml><?xml version="1.0" encoding="utf-8"?>
+<p:sld xmlns:a="http://schemas.openxmlformats.org/drawingml/2006/main" xmlns:r="http://schemas.openxmlformats.org/officeDocument/2006/relationships" xmlns:p="http://schemas.openxmlformats.org/presentationml/2006/main">
+  <p:cSld>
+    <p:spTree>
+      <p:nvGrpSpPr>
+        <p:cNvPr id="1" name=""/>
+        <p:cNvGrpSpPr/>
+        <p:nvPr/>
+      </p:nvGrpSpPr>
+      <p:grpSpPr>
+        <a:xfrm>
+          <a:off x="0" y="0"/>
+          <a:ext cx="0" cy="0"/>
+          <a:chOff x="0" y="0"/>
+          <a:chExt cx="0" cy="0"/>
+        </a:xfrm>
+      </p:grpSpPr>
+      <p:sp>
+        <p:nvSpPr>
+          <p:cNvPr id="2" name="Title 1"/>
+          <p:cNvSpPr>
+            <a:spLocks noGrp="1"/>
+          </p:cNvSpPr>
+          <p:nvPr>
+            <p:ph type="title"/>
+          </p:nvPr>
+        </p:nvSpPr>
+        <p:spPr/>
+        <p:txBody>
+          <a:bodyPr/>
+          <a:lstStyle/>
+          <a:p>
+            <a:r>
+              <a:rPr lang="en-US" sz="2800" dirty="0" smtClean="0"/>
+              <a:t>Sparse Coding</a:t>
+            </a:r>
+            <a:r>
+              <a:rPr lang="en-US" dirty="0"/>
+              <a:t>:</a:t>
+            </a:r>
+            <a:r>
+              <a:rPr lang="en-US" dirty="0" smtClean="0"/>
+              <a:t> Feature-Sign</a:t>
+            </a:r>
+            <a:endParaRPr lang="en-US" dirty="0"/>
+          </a:p>
+        </p:txBody>
+      </p:sp>
+      <p:sp>
+        <p:nvSpPr>
+          <p:cNvPr id="3" name="Content Placeholder 2"/>
+          <p:cNvSpPr>
+            <a:spLocks noGrp="1"/>
+          </p:cNvSpPr>
+          <p:nvPr>
+            <p:ph idx="1"/>
+          </p:nvPr>
+        </p:nvSpPr>
+        <p:spPr/>
+        <p:txBody>
+          <a:bodyPr/>
+          <a:lstStyle/>
+          <a:p>
+            <a:endParaRPr lang="en-US" dirty="0"/>
+          </a:p>
+        </p:txBody>
+      </p:sp>
+    </p:spTree>
+    <p:extLst>
+      <p:ext uri="{BB962C8B-B14F-4D97-AF65-F5344CB8AC3E}">
+        <p14:creationId xmlns:p14="http://schemas.microsoft.com/office/powerpoint/2010/main" val="3553509372"/>
+      </p:ext>
+    </p:extLst>
+  </p:cSld>
+  <p:clrMapOvr>
+    <a:masterClrMapping/>
+  </p:clrMapOvr>
+  <p:timing>
+    <p:tnLst>
+      <p:par>
+        <p:cTn id="1" dur="indefinite" restart="never" nodeType="tmRoot"/>
+      </p:par>
+    </p:tnLst>
+  </p:timing>
+</p:sld>
+</file>
+
 <file path=ppt/slides/slide2.xml><?xml version="1.0" encoding="utf-8"?>
 <p:sld xmlns:a="http://schemas.openxmlformats.org/drawingml/2006/main" xmlns:r="http://schemas.openxmlformats.org/officeDocument/2006/relationships" xmlns:p="http://schemas.openxmlformats.org/presentationml/2006/main">
   <p:cSld>
@@ -3345,10 +5628,843 @@
           </a:prstGeom>
         </p:spPr>
       </p:pic>
+      <p:sp>
+        <p:nvSpPr>
+          <p:cNvPr id="8" name="Title 7"/>
+          <p:cNvSpPr>
+            <a:spLocks noGrp="1"/>
+          </p:cNvSpPr>
+          <p:nvPr>
+            <p:ph type="title"/>
+          </p:nvPr>
+        </p:nvSpPr>
+        <p:spPr/>
+        <p:txBody>
+          <a:bodyPr/>
+          <a:lstStyle/>
+          <a:p>
+            <a:endParaRPr lang="en-US" dirty="0"/>
+          </a:p>
+        </p:txBody>
+      </p:sp>
     </p:spTree>
     <p:extLst>
       <p:ext uri="{BB962C8B-B14F-4D97-AF65-F5344CB8AC3E}">
         <p14:creationId xmlns:p14="http://schemas.microsoft.com/office/powerpoint/2010/main" val="2693872370"/>
+      </p:ext>
+    </p:extLst>
+  </p:cSld>
+  <p:clrMapOvr>
+    <a:masterClrMapping/>
+  </p:clrMapOvr>
+  <p:timing>
+    <p:tnLst>
+      <p:par>
+        <p:cTn id="1" dur="indefinite" restart="never" nodeType="tmRoot"/>
+      </p:par>
+    </p:tnLst>
+  </p:timing>
+</p:sld>
+</file>
+
+<file path=ppt/slides/slide20.xml><?xml version="1.0" encoding="utf-8"?>
+<p:sld xmlns:a="http://schemas.openxmlformats.org/drawingml/2006/main" xmlns:r="http://schemas.openxmlformats.org/officeDocument/2006/relationships" xmlns:p="http://schemas.openxmlformats.org/presentationml/2006/main">
+  <p:cSld>
+    <p:spTree>
+      <p:nvGrpSpPr>
+        <p:cNvPr id="1" name=""/>
+        <p:cNvGrpSpPr/>
+        <p:nvPr/>
+      </p:nvGrpSpPr>
+      <p:grpSpPr>
+        <a:xfrm>
+          <a:off x="0" y="0"/>
+          <a:ext cx="0" cy="0"/>
+          <a:chOff x="0" y="0"/>
+          <a:chExt cx="0" cy="0"/>
+        </a:xfrm>
+      </p:grpSpPr>
+      <p:sp>
+        <p:nvSpPr>
+          <p:cNvPr id="2" name="Title 1"/>
+          <p:cNvSpPr>
+            <a:spLocks noGrp="1"/>
+          </p:cNvSpPr>
+          <p:nvPr>
+            <p:ph type="title"/>
+          </p:nvPr>
+        </p:nvSpPr>
+        <p:spPr/>
+        <p:txBody>
+          <a:bodyPr/>
+          <a:lstStyle/>
+          <a:p>
+            <a:r>
+              <a:rPr lang="en-US" sz="2800" dirty="0" smtClean="0"/>
+              <a:t>Sparse Coding</a:t>
+            </a:r>
+            <a:r>
+              <a:rPr lang="en-US" dirty="0" smtClean="0"/>
+              <a:t>: FISTA</a:t>
+            </a:r>
+            <a:endParaRPr lang="en-US" dirty="0"/>
+          </a:p>
+        </p:txBody>
+      </p:sp>
+      <p:sp>
+        <p:nvSpPr>
+          <p:cNvPr id="3" name="Content Placeholder 2"/>
+          <p:cNvSpPr>
+            <a:spLocks noGrp="1"/>
+          </p:cNvSpPr>
+          <p:nvPr>
+            <p:ph idx="1"/>
+          </p:nvPr>
+        </p:nvSpPr>
+        <p:spPr/>
+        <p:txBody>
+          <a:bodyPr/>
+          <a:lstStyle/>
+          <a:p>
+            <a:endParaRPr lang="en-US"/>
+          </a:p>
+        </p:txBody>
+      </p:sp>
+    </p:spTree>
+    <p:extLst>
+      <p:ext uri="{BB962C8B-B14F-4D97-AF65-F5344CB8AC3E}">
+        <p14:creationId xmlns:p14="http://schemas.microsoft.com/office/powerpoint/2010/main" val="1257441635"/>
+      </p:ext>
+    </p:extLst>
+  </p:cSld>
+  <p:clrMapOvr>
+    <a:masterClrMapping/>
+  </p:clrMapOvr>
+  <p:timing>
+    <p:tnLst>
+      <p:par>
+        <p:cTn id="1" dur="indefinite" restart="never" nodeType="tmRoot"/>
+      </p:par>
+    </p:tnLst>
+  </p:timing>
+</p:sld>
+</file>
+
+<file path=ppt/slides/slide21.xml><?xml version="1.0" encoding="utf-8"?>
+<p:sld xmlns:a="http://schemas.openxmlformats.org/drawingml/2006/main" xmlns:r="http://schemas.openxmlformats.org/officeDocument/2006/relationships" xmlns:p="http://schemas.openxmlformats.org/presentationml/2006/main">
+  <p:cSld>
+    <p:spTree>
+      <p:nvGrpSpPr>
+        <p:cNvPr id="1" name=""/>
+        <p:cNvGrpSpPr/>
+        <p:nvPr/>
+      </p:nvGrpSpPr>
+      <p:grpSpPr>
+        <a:xfrm>
+          <a:off x="0" y="0"/>
+          <a:ext cx="0" cy="0"/>
+          <a:chOff x="0" y="0"/>
+          <a:chExt cx="0" cy="0"/>
+        </a:xfrm>
+      </p:grpSpPr>
+      <p:sp>
+        <p:nvSpPr>
+          <p:cNvPr id="2" name="Title 1"/>
+          <p:cNvSpPr>
+            <a:spLocks noGrp="1"/>
+          </p:cNvSpPr>
+          <p:nvPr>
+            <p:ph type="title"/>
+          </p:nvPr>
+        </p:nvSpPr>
+        <p:spPr/>
+        <p:txBody>
+          <a:bodyPr/>
+          <a:lstStyle/>
+          <a:p>
+            <a:r>
+              <a:rPr lang="en-US" sz="2800" dirty="0" smtClean="0"/>
+              <a:t>Sparse Coding</a:t>
+            </a:r>
+            <a:r>
+              <a:rPr lang="en-US" dirty="0" smtClean="0"/>
+              <a:t>: L1LS</a:t>
+            </a:r>
+            <a:endParaRPr lang="en-US" dirty="0"/>
+          </a:p>
+        </p:txBody>
+      </p:sp>
+      <p:sp>
+        <p:nvSpPr>
+          <p:cNvPr id="3" name="Content Placeholder 2"/>
+          <p:cNvSpPr>
+            <a:spLocks noGrp="1"/>
+          </p:cNvSpPr>
+          <p:nvPr>
+            <p:ph idx="1"/>
+          </p:nvPr>
+        </p:nvSpPr>
+        <p:spPr/>
+        <p:txBody>
+          <a:bodyPr/>
+          <a:lstStyle/>
+          <a:p>
+            <a:endParaRPr lang="en-US" dirty="0"/>
+          </a:p>
+        </p:txBody>
+      </p:sp>
+    </p:spTree>
+    <p:extLst>
+      <p:ext uri="{BB962C8B-B14F-4D97-AF65-F5344CB8AC3E}">
+        <p14:creationId xmlns:p14="http://schemas.microsoft.com/office/powerpoint/2010/main" val="84810365"/>
+      </p:ext>
+    </p:extLst>
+  </p:cSld>
+  <p:clrMapOvr>
+    <a:masterClrMapping/>
+  </p:clrMapOvr>
+  <p:timing>
+    <p:tnLst>
+      <p:par>
+        <p:cTn id="1" dur="indefinite" restart="never" nodeType="tmRoot"/>
+      </p:par>
+    </p:tnLst>
+  </p:timing>
+</p:sld>
+</file>
+
+<file path=ppt/slides/slide22.xml><?xml version="1.0" encoding="utf-8"?>
+<p:sld xmlns:a="http://schemas.openxmlformats.org/drawingml/2006/main" xmlns:r="http://schemas.openxmlformats.org/officeDocument/2006/relationships" xmlns:p="http://schemas.openxmlformats.org/presentationml/2006/main">
+  <p:cSld>
+    <p:spTree>
+      <p:nvGrpSpPr>
+        <p:cNvPr id="1" name=""/>
+        <p:cNvGrpSpPr/>
+        <p:nvPr/>
+      </p:nvGrpSpPr>
+      <p:grpSpPr>
+        <a:xfrm>
+          <a:off x="0" y="0"/>
+          <a:ext cx="0" cy="0"/>
+          <a:chOff x="0" y="0"/>
+          <a:chExt cx="0" cy="0"/>
+        </a:xfrm>
+      </p:grpSpPr>
+      <p:sp>
+        <p:nvSpPr>
+          <p:cNvPr id="2" name="Title 1"/>
+          <p:cNvSpPr>
+            <a:spLocks noGrp="1"/>
+          </p:cNvSpPr>
+          <p:nvPr>
+            <p:ph type="title"/>
+          </p:nvPr>
+        </p:nvSpPr>
+        <p:spPr/>
+        <p:txBody>
+          <a:bodyPr/>
+          <a:lstStyle/>
+          <a:p>
+            <a:r>
+              <a:rPr lang="en-US" sz="2800" dirty="0" smtClean="0"/>
+              <a:t>Sparse Coding</a:t>
+            </a:r>
+            <a:r>
+              <a:rPr lang="en-US" dirty="0" smtClean="0"/>
+              <a:t>: Matching Pursuit</a:t>
+            </a:r>
+            <a:endParaRPr lang="en-US" dirty="0"/>
+          </a:p>
+        </p:txBody>
+      </p:sp>
+      <p:sp>
+        <p:nvSpPr>
+          <p:cNvPr id="3" name="Content Placeholder 2"/>
+          <p:cNvSpPr>
+            <a:spLocks noGrp="1"/>
+          </p:cNvSpPr>
+          <p:nvPr>
+            <p:ph idx="1"/>
+          </p:nvPr>
+        </p:nvSpPr>
+        <p:spPr/>
+        <p:txBody>
+          <a:bodyPr/>
+          <a:lstStyle/>
+          <a:p>
+            <a:endParaRPr lang="en-US"/>
+          </a:p>
+        </p:txBody>
+      </p:sp>
+    </p:spTree>
+    <p:extLst>
+      <p:ext uri="{BB962C8B-B14F-4D97-AF65-F5344CB8AC3E}">
+        <p14:creationId xmlns:p14="http://schemas.microsoft.com/office/powerpoint/2010/main" val="3643721501"/>
+      </p:ext>
+    </p:extLst>
+  </p:cSld>
+  <p:clrMapOvr>
+    <a:masterClrMapping/>
+  </p:clrMapOvr>
+  <p:timing>
+    <p:tnLst>
+      <p:par>
+        <p:cTn id="1" dur="indefinite" restart="never" nodeType="tmRoot"/>
+      </p:par>
+    </p:tnLst>
+  </p:timing>
+</p:sld>
+</file>
+
+<file path=ppt/slides/slide23.xml><?xml version="1.0" encoding="utf-8"?>
+<p:sld xmlns:a="http://schemas.openxmlformats.org/drawingml/2006/main" xmlns:r="http://schemas.openxmlformats.org/officeDocument/2006/relationships" xmlns:p="http://schemas.openxmlformats.org/presentationml/2006/main">
+  <p:cSld>
+    <p:spTree>
+      <p:nvGrpSpPr>
+        <p:cNvPr id="1" name=""/>
+        <p:cNvGrpSpPr/>
+        <p:nvPr/>
+      </p:nvGrpSpPr>
+      <p:grpSpPr>
+        <a:xfrm>
+          <a:off x="0" y="0"/>
+          <a:ext cx="0" cy="0"/>
+          <a:chOff x="0" y="0"/>
+          <a:chExt cx="0" cy="0"/>
+        </a:xfrm>
+      </p:grpSpPr>
+      <p:sp>
+        <p:nvSpPr>
+          <p:cNvPr id="4" name="Title 3"/>
+          <p:cNvSpPr>
+            <a:spLocks noGrp="1"/>
+          </p:cNvSpPr>
+          <p:nvPr>
+            <p:ph type="title"/>
+          </p:nvPr>
+        </p:nvSpPr>
+        <p:spPr/>
+        <p:txBody>
+          <a:bodyPr/>
+          <a:lstStyle/>
+          <a:p>
+            <a:r>
+              <a:rPr lang="en-US" sz="2800" dirty="0" smtClean="0"/>
+              <a:t>Sparse Coding</a:t>
+            </a:r>
+            <a:r>
+              <a:rPr lang="en-US" dirty="0" smtClean="0"/>
+              <a:t>: Orthogonal Matching Pursuit</a:t>
+            </a:r>
+            <a:endParaRPr lang="en-US" dirty="0"/>
+          </a:p>
+        </p:txBody>
+      </p:sp>
+      <p:sp>
+        <p:nvSpPr>
+          <p:cNvPr id="5" name="Content Placeholder 4"/>
+          <p:cNvSpPr>
+            <a:spLocks noGrp="1"/>
+          </p:cNvSpPr>
+          <p:nvPr>
+            <p:ph idx="1"/>
+          </p:nvPr>
+        </p:nvSpPr>
+        <p:spPr/>
+        <p:txBody>
+          <a:bodyPr/>
+          <a:lstStyle/>
+          <a:p>
+            <a:endParaRPr lang="en-US" dirty="0"/>
+          </a:p>
+        </p:txBody>
+      </p:sp>
+    </p:spTree>
+    <p:extLst>
+      <p:ext uri="{BB962C8B-B14F-4D97-AF65-F5344CB8AC3E}">
+        <p14:creationId xmlns:p14="http://schemas.microsoft.com/office/powerpoint/2010/main" val="3756034844"/>
+      </p:ext>
+    </p:extLst>
+  </p:cSld>
+  <p:clrMapOvr>
+    <a:masterClrMapping/>
+  </p:clrMapOvr>
+  <p:timing>
+    <p:tnLst>
+      <p:par>
+        <p:cTn id="1" dur="indefinite" restart="never" nodeType="tmRoot"/>
+      </p:par>
+    </p:tnLst>
+  </p:timing>
+</p:sld>
+</file>
+
+<file path=ppt/slides/slide24.xml><?xml version="1.0" encoding="utf-8"?>
+<p:sld xmlns:a="http://schemas.openxmlformats.org/drawingml/2006/main" xmlns:r="http://schemas.openxmlformats.org/officeDocument/2006/relationships" xmlns:p="http://schemas.openxmlformats.org/presentationml/2006/main">
+  <p:cSld>
+    <p:spTree>
+      <p:nvGrpSpPr>
+        <p:cNvPr id="1" name=""/>
+        <p:cNvGrpSpPr/>
+        <p:nvPr/>
+      </p:nvGrpSpPr>
+      <p:grpSpPr>
+        <a:xfrm>
+          <a:off x="0" y="0"/>
+          <a:ext cx="0" cy="0"/>
+          <a:chOff x="0" y="0"/>
+          <a:chExt cx="0" cy="0"/>
+        </a:xfrm>
+      </p:grpSpPr>
+      <p:sp>
+        <p:nvSpPr>
+          <p:cNvPr id="2" name="Title 1"/>
+          <p:cNvSpPr>
+            <a:spLocks noGrp="1"/>
+          </p:cNvSpPr>
+          <p:nvPr>
+            <p:ph type="title"/>
+          </p:nvPr>
+        </p:nvSpPr>
+        <p:spPr/>
+        <p:txBody>
+          <a:bodyPr/>
+          <a:lstStyle/>
+          <a:p>
+            <a:r>
+              <a:rPr lang="en-US" sz="2800" dirty="0" smtClean="0"/>
+              <a:t>Sparse Coding</a:t>
+            </a:r>
+            <a:r>
+              <a:rPr lang="en-US" dirty="0" smtClean="0"/>
+              <a:t>: Primal ALM</a:t>
+            </a:r>
+            <a:endParaRPr lang="en-US" dirty="0"/>
+          </a:p>
+        </p:txBody>
+      </p:sp>
+      <p:sp>
+        <p:nvSpPr>
+          <p:cNvPr id="3" name="Content Placeholder 2"/>
+          <p:cNvSpPr>
+            <a:spLocks noGrp="1"/>
+          </p:cNvSpPr>
+          <p:nvPr>
+            <p:ph idx="1"/>
+          </p:nvPr>
+        </p:nvSpPr>
+        <p:spPr/>
+        <p:txBody>
+          <a:bodyPr/>
+          <a:lstStyle/>
+          <a:p>
+            <a:endParaRPr lang="en-US"/>
+          </a:p>
+        </p:txBody>
+      </p:sp>
+    </p:spTree>
+    <p:extLst>
+      <p:ext uri="{BB962C8B-B14F-4D97-AF65-F5344CB8AC3E}">
+        <p14:creationId xmlns:p14="http://schemas.microsoft.com/office/powerpoint/2010/main" val="2383722210"/>
+      </p:ext>
+    </p:extLst>
+  </p:cSld>
+  <p:clrMapOvr>
+    <a:masterClrMapping/>
+  </p:clrMapOvr>
+  <p:timing>
+    <p:tnLst>
+      <p:par>
+        <p:cTn id="1" dur="indefinite" restart="never" nodeType="tmRoot"/>
+      </p:par>
+    </p:tnLst>
+  </p:timing>
+</p:sld>
+</file>
+
+<file path=ppt/slides/slide25.xml><?xml version="1.0" encoding="utf-8"?>
+<p:sld xmlns:a="http://schemas.openxmlformats.org/drawingml/2006/main" xmlns:r="http://schemas.openxmlformats.org/officeDocument/2006/relationships" xmlns:p="http://schemas.openxmlformats.org/presentationml/2006/main">
+  <p:cSld>
+    <p:spTree>
+      <p:nvGrpSpPr>
+        <p:cNvPr id="1" name=""/>
+        <p:cNvGrpSpPr/>
+        <p:nvPr/>
+      </p:nvGrpSpPr>
+      <p:grpSpPr>
+        <a:xfrm>
+          <a:off x="0" y="0"/>
+          <a:ext cx="0" cy="0"/>
+          <a:chOff x="0" y="0"/>
+          <a:chExt cx="0" cy="0"/>
+        </a:xfrm>
+      </p:grpSpPr>
+      <p:sp>
+        <p:nvSpPr>
+          <p:cNvPr id="2" name="Title 1"/>
+          <p:cNvSpPr>
+            <a:spLocks noGrp="1"/>
+          </p:cNvSpPr>
+          <p:nvPr>
+            <p:ph type="title"/>
+          </p:nvPr>
+        </p:nvSpPr>
+        <p:spPr/>
+        <p:txBody>
+          <a:bodyPr/>
+          <a:lstStyle/>
+          <a:p>
+            <a:r>
+              <a:rPr lang="en-US" sz="2800" dirty="0" smtClean="0"/>
+              <a:t>Sparse Coding</a:t>
+            </a:r>
+            <a:r>
+              <a:rPr lang="en-US" dirty="0" smtClean="0"/>
+              <a:t>: Dual ALM</a:t>
+            </a:r>
+            <a:endParaRPr lang="en-US" dirty="0"/>
+          </a:p>
+        </p:txBody>
+      </p:sp>
+      <p:sp>
+        <p:nvSpPr>
+          <p:cNvPr id="3" name="Content Placeholder 2"/>
+          <p:cNvSpPr>
+            <a:spLocks noGrp="1"/>
+          </p:cNvSpPr>
+          <p:nvPr>
+            <p:ph idx="1"/>
+          </p:nvPr>
+        </p:nvSpPr>
+        <p:spPr/>
+        <p:txBody>
+          <a:bodyPr/>
+          <a:lstStyle/>
+          <a:p>
+            <a:endParaRPr lang="en-US" dirty="0"/>
+          </a:p>
+        </p:txBody>
+      </p:sp>
+    </p:spTree>
+    <p:extLst>
+      <p:ext uri="{BB962C8B-B14F-4D97-AF65-F5344CB8AC3E}">
+        <p14:creationId xmlns:p14="http://schemas.microsoft.com/office/powerpoint/2010/main" val="574260256"/>
+      </p:ext>
+    </p:extLst>
+  </p:cSld>
+  <p:clrMapOvr>
+    <a:masterClrMapping/>
+  </p:clrMapOvr>
+  <p:timing>
+    <p:tnLst>
+      <p:par>
+        <p:cTn id="1" dur="indefinite" restart="never" nodeType="tmRoot"/>
+      </p:par>
+    </p:tnLst>
+  </p:timing>
+</p:sld>
+</file>
+
+<file path=ppt/slides/slide26.xml><?xml version="1.0" encoding="utf-8"?>
+<p:sld xmlns:a="http://schemas.openxmlformats.org/drawingml/2006/main" xmlns:r="http://schemas.openxmlformats.org/officeDocument/2006/relationships" xmlns:p="http://schemas.openxmlformats.org/presentationml/2006/main">
+  <p:cSld>
+    <p:spTree>
+      <p:nvGrpSpPr>
+        <p:cNvPr id="1" name=""/>
+        <p:cNvGrpSpPr/>
+        <p:nvPr/>
+      </p:nvGrpSpPr>
+      <p:grpSpPr>
+        <a:xfrm>
+          <a:off x="0" y="0"/>
+          <a:ext cx="0" cy="0"/>
+          <a:chOff x="0" y="0"/>
+          <a:chExt cx="0" cy="0"/>
+        </a:xfrm>
+      </p:grpSpPr>
+      <p:sp>
+        <p:nvSpPr>
+          <p:cNvPr id="2" name="Title 1"/>
+          <p:cNvSpPr>
+            <a:spLocks noGrp="1"/>
+          </p:cNvSpPr>
+          <p:nvPr>
+            <p:ph type="title"/>
+          </p:nvPr>
+        </p:nvSpPr>
+        <p:spPr/>
+        <p:txBody>
+          <a:bodyPr/>
+          <a:lstStyle/>
+          <a:p>
+            <a:r>
+              <a:rPr lang="en-US" dirty="0" smtClean="0"/>
+              <a:t>RESULTS</a:t>
+            </a:r>
+            <a:endParaRPr lang="en-US" dirty="0"/>
+          </a:p>
+        </p:txBody>
+      </p:sp>
+      <p:sp>
+        <p:nvSpPr>
+          <p:cNvPr id="3" name="Content Placeholder 2"/>
+          <p:cNvSpPr>
+            <a:spLocks noGrp="1"/>
+          </p:cNvSpPr>
+          <p:nvPr>
+            <p:ph idx="1"/>
+          </p:nvPr>
+        </p:nvSpPr>
+        <p:spPr/>
+        <p:txBody>
+          <a:bodyPr/>
+          <a:lstStyle/>
+          <a:p>
+            <a:endParaRPr lang="en-US"/>
+          </a:p>
+        </p:txBody>
+      </p:sp>
+    </p:spTree>
+    <p:extLst>
+      <p:ext uri="{BB962C8B-B14F-4D97-AF65-F5344CB8AC3E}">
+        <p14:creationId xmlns:p14="http://schemas.microsoft.com/office/powerpoint/2010/main" val="1063868352"/>
+      </p:ext>
+    </p:extLst>
+  </p:cSld>
+  <p:clrMapOvr>
+    <a:masterClrMapping/>
+  </p:clrMapOvr>
+  <p:timing>
+    <p:tnLst>
+      <p:par>
+        <p:cTn id="1" dur="indefinite" restart="never" nodeType="tmRoot"/>
+      </p:par>
+    </p:tnLst>
+  </p:timing>
+</p:sld>
+</file>
+
+<file path=ppt/slides/slide27.xml><?xml version="1.0" encoding="utf-8"?>
+<p:sld xmlns:a="http://schemas.openxmlformats.org/drawingml/2006/main" xmlns:r="http://schemas.openxmlformats.org/officeDocument/2006/relationships" xmlns:p="http://schemas.openxmlformats.org/presentationml/2006/main">
+  <p:cSld>
+    <p:spTree>
+      <p:nvGrpSpPr>
+        <p:cNvPr id="1" name=""/>
+        <p:cNvGrpSpPr/>
+        <p:nvPr/>
+      </p:nvGrpSpPr>
+      <p:grpSpPr>
+        <a:xfrm>
+          <a:off x="0" y="0"/>
+          <a:ext cx="0" cy="0"/>
+          <a:chOff x="0" y="0"/>
+          <a:chExt cx="0" cy="0"/>
+        </a:xfrm>
+      </p:grpSpPr>
+      <p:sp>
+        <p:nvSpPr>
+          <p:cNvPr id="2" name="Title 1"/>
+          <p:cNvSpPr>
+            <a:spLocks noGrp="1"/>
+          </p:cNvSpPr>
+          <p:nvPr>
+            <p:ph type="title"/>
+          </p:nvPr>
+        </p:nvSpPr>
+        <p:spPr/>
+        <p:txBody>
+          <a:bodyPr/>
+          <a:lstStyle/>
+          <a:p>
+            <a:r>
+              <a:rPr lang="en-US" dirty="0" smtClean="0"/>
+              <a:t>CONCLUSION</a:t>
+            </a:r>
+            <a:endParaRPr lang="en-US" dirty="0"/>
+          </a:p>
+        </p:txBody>
+      </p:sp>
+      <p:sp>
+        <p:nvSpPr>
+          <p:cNvPr id="3" name="Content Placeholder 2"/>
+          <p:cNvSpPr>
+            <a:spLocks noGrp="1"/>
+          </p:cNvSpPr>
+          <p:nvPr>
+            <p:ph idx="1"/>
+          </p:nvPr>
+        </p:nvSpPr>
+        <p:spPr/>
+        <p:txBody>
+          <a:bodyPr/>
+          <a:lstStyle/>
+          <a:p>
+            <a:endParaRPr lang="en-US"/>
+          </a:p>
+        </p:txBody>
+      </p:sp>
+    </p:spTree>
+    <p:extLst>
+      <p:ext uri="{BB962C8B-B14F-4D97-AF65-F5344CB8AC3E}">
+        <p14:creationId xmlns:p14="http://schemas.microsoft.com/office/powerpoint/2010/main" val="4075568554"/>
+      </p:ext>
+    </p:extLst>
+  </p:cSld>
+  <p:clrMapOvr>
+    <a:masterClrMapping/>
+  </p:clrMapOvr>
+  <p:timing>
+    <p:tnLst>
+      <p:par>
+        <p:cTn id="1" dur="indefinite" restart="never" nodeType="tmRoot"/>
+      </p:par>
+    </p:tnLst>
+  </p:timing>
+</p:sld>
+</file>
+
+<file path=ppt/slides/slide28.xml><?xml version="1.0" encoding="utf-8"?>
+<p:sld xmlns:a="http://schemas.openxmlformats.org/drawingml/2006/main" xmlns:r="http://schemas.openxmlformats.org/officeDocument/2006/relationships" xmlns:p="http://schemas.openxmlformats.org/presentationml/2006/main">
+  <p:cSld>
+    <p:spTree>
+      <p:nvGrpSpPr>
+        <p:cNvPr id="1" name=""/>
+        <p:cNvGrpSpPr/>
+        <p:nvPr/>
+      </p:nvGrpSpPr>
+      <p:grpSpPr>
+        <a:xfrm>
+          <a:off x="0" y="0"/>
+          <a:ext cx="0" cy="0"/>
+          <a:chOff x="0" y="0"/>
+          <a:chExt cx="0" cy="0"/>
+        </a:xfrm>
+      </p:grpSpPr>
+      <p:sp>
+        <p:nvSpPr>
+          <p:cNvPr id="2" name="Title 1"/>
+          <p:cNvSpPr>
+            <a:spLocks noGrp="1"/>
+          </p:cNvSpPr>
+          <p:nvPr>
+            <p:ph type="title"/>
+          </p:nvPr>
+        </p:nvSpPr>
+        <p:spPr/>
+        <p:txBody>
+          <a:bodyPr/>
+          <a:lstStyle/>
+          <a:p>
+            <a:r>
+              <a:rPr lang="en-US" dirty="0" smtClean="0"/>
+              <a:t>FUTURE WORK</a:t>
+            </a:r>
+            <a:endParaRPr lang="en-US" dirty="0"/>
+          </a:p>
+        </p:txBody>
+      </p:sp>
+      <p:sp>
+        <p:nvSpPr>
+          <p:cNvPr id="3" name="Content Placeholder 2"/>
+          <p:cNvSpPr>
+            <a:spLocks noGrp="1"/>
+          </p:cNvSpPr>
+          <p:nvPr>
+            <p:ph idx="1"/>
+          </p:nvPr>
+        </p:nvSpPr>
+        <p:spPr/>
+        <p:txBody>
+          <a:bodyPr/>
+          <a:lstStyle/>
+          <a:p>
+            <a:endParaRPr lang="en-US"/>
+          </a:p>
+        </p:txBody>
+      </p:sp>
+    </p:spTree>
+    <p:extLst>
+      <p:ext uri="{BB962C8B-B14F-4D97-AF65-F5344CB8AC3E}">
+        <p14:creationId xmlns:p14="http://schemas.microsoft.com/office/powerpoint/2010/main" val="2004178852"/>
+      </p:ext>
+    </p:extLst>
+  </p:cSld>
+  <p:clrMapOvr>
+    <a:masterClrMapping/>
+  </p:clrMapOvr>
+  <p:timing>
+    <p:tnLst>
+      <p:par>
+        <p:cTn id="1" dur="indefinite" restart="never" nodeType="tmRoot"/>
+      </p:par>
+    </p:tnLst>
+  </p:timing>
+</p:sld>
+</file>
+
+<file path=ppt/slides/slide29.xml><?xml version="1.0" encoding="utf-8"?>
+<p:sld xmlns:a="http://schemas.openxmlformats.org/drawingml/2006/main" xmlns:r="http://schemas.openxmlformats.org/officeDocument/2006/relationships" xmlns:p="http://schemas.openxmlformats.org/presentationml/2006/main">
+  <p:cSld>
+    <p:spTree>
+      <p:nvGrpSpPr>
+        <p:cNvPr id="1" name=""/>
+        <p:cNvGrpSpPr/>
+        <p:nvPr/>
+      </p:nvGrpSpPr>
+      <p:grpSpPr>
+        <a:xfrm>
+          <a:off x="0" y="0"/>
+          <a:ext cx="0" cy="0"/>
+          <a:chOff x="0" y="0"/>
+          <a:chExt cx="0" cy="0"/>
+        </a:xfrm>
+      </p:grpSpPr>
+      <p:sp>
+        <p:nvSpPr>
+          <p:cNvPr id="2" name="Title 1"/>
+          <p:cNvSpPr>
+            <a:spLocks noGrp="1"/>
+          </p:cNvSpPr>
+          <p:nvPr>
+            <p:ph type="title"/>
+          </p:nvPr>
+        </p:nvSpPr>
+        <p:spPr/>
+        <p:txBody>
+          <a:bodyPr/>
+          <a:lstStyle/>
+          <a:p>
+            <a:r>
+              <a:rPr lang="en-US" dirty="0" smtClean="0"/>
+              <a:t>References:</a:t>
+            </a:r>
+            <a:endParaRPr lang="en-US" dirty="0"/>
+          </a:p>
+        </p:txBody>
+      </p:sp>
+      <p:sp>
+        <p:nvSpPr>
+          <p:cNvPr id="3" name="Content Placeholder 2"/>
+          <p:cNvSpPr>
+            <a:spLocks noGrp="1"/>
+          </p:cNvSpPr>
+          <p:nvPr>
+            <p:ph idx="1"/>
+          </p:nvPr>
+        </p:nvSpPr>
+        <p:spPr/>
+        <p:txBody>
+          <a:bodyPr/>
+          <a:lstStyle/>
+          <a:p>
+            <a:endParaRPr lang="en-US" dirty="0"/>
+          </a:p>
+        </p:txBody>
+      </p:sp>
+    </p:spTree>
+    <p:extLst>
+      <p:ext uri="{BB962C8B-B14F-4D97-AF65-F5344CB8AC3E}">
+        <p14:creationId xmlns:p14="http://schemas.microsoft.com/office/powerpoint/2010/main" val="2161373120"/>
       </p:ext>
     </p:extLst>
   </p:cSld>
@@ -3415,6 +6531,81 @@
     <p:extLst>
       <p:ext uri="{BB962C8B-B14F-4D97-AF65-F5344CB8AC3E}">
         <p14:creationId xmlns:p14="http://schemas.microsoft.com/office/powerpoint/2010/main" val="3238983355"/>
+      </p:ext>
+    </p:extLst>
+  </p:cSld>
+  <p:clrMapOvr>
+    <a:masterClrMapping/>
+  </p:clrMapOvr>
+  <p:timing>
+    <p:tnLst>
+      <p:par>
+        <p:cTn id="1" dur="indefinite" restart="never" nodeType="tmRoot"/>
+      </p:par>
+    </p:tnLst>
+  </p:timing>
+</p:sld>
+</file>
+
+<file path=ppt/slides/slide30.xml><?xml version="1.0" encoding="utf-8"?>
+<p:sld xmlns:a="http://schemas.openxmlformats.org/drawingml/2006/main" xmlns:r="http://schemas.openxmlformats.org/officeDocument/2006/relationships" xmlns:p="http://schemas.openxmlformats.org/presentationml/2006/main">
+  <p:cSld>
+    <p:spTree>
+      <p:nvGrpSpPr>
+        <p:cNvPr id="1" name=""/>
+        <p:cNvGrpSpPr/>
+        <p:nvPr/>
+      </p:nvGrpSpPr>
+      <p:grpSpPr>
+        <a:xfrm>
+          <a:off x="0" y="0"/>
+          <a:ext cx="0" cy="0"/>
+          <a:chOff x="0" y="0"/>
+          <a:chExt cx="0" cy="0"/>
+        </a:xfrm>
+      </p:grpSpPr>
+      <p:sp>
+        <p:nvSpPr>
+          <p:cNvPr id="2" name="Title 1"/>
+          <p:cNvSpPr>
+            <a:spLocks noGrp="1"/>
+          </p:cNvSpPr>
+          <p:nvPr>
+            <p:ph type="title"/>
+          </p:nvPr>
+        </p:nvSpPr>
+        <p:spPr/>
+        <p:txBody>
+          <a:bodyPr/>
+          <a:lstStyle/>
+          <a:p>
+            <a:endParaRPr lang="en-US" dirty="0"/>
+          </a:p>
+        </p:txBody>
+      </p:sp>
+      <p:sp>
+        <p:nvSpPr>
+          <p:cNvPr id="3" name="Content Placeholder 2"/>
+          <p:cNvSpPr>
+            <a:spLocks noGrp="1"/>
+          </p:cNvSpPr>
+          <p:nvPr>
+            <p:ph idx="1"/>
+          </p:nvPr>
+        </p:nvSpPr>
+        <p:spPr/>
+        <p:txBody>
+          <a:bodyPr/>
+          <a:lstStyle/>
+          <a:p>
+            <a:endParaRPr lang="en-US"/>
+          </a:p>
+        </p:txBody>
+      </p:sp>
+    </p:spTree>
+    <p:extLst>
+      <p:ext uri="{BB962C8B-B14F-4D97-AF65-F5344CB8AC3E}">
+        <p14:creationId xmlns:p14="http://schemas.microsoft.com/office/powerpoint/2010/main" val="3575099584"/>
       </p:ext>
     </p:extLst>
   </p:cSld>
@@ -5855,6 +9046,831 @@
 </p:sld>
 </file>
 
+<file path=ppt/slides/slide7.xml><?xml version="1.0" encoding="utf-8"?>
+<p:sld xmlns:a="http://schemas.openxmlformats.org/drawingml/2006/main" xmlns:r="http://schemas.openxmlformats.org/officeDocument/2006/relationships" xmlns:p="http://schemas.openxmlformats.org/presentationml/2006/main">
+  <p:cSld>
+    <p:spTree>
+      <p:nvGrpSpPr>
+        <p:cNvPr id="1" name=""/>
+        <p:cNvGrpSpPr/>
+        <p:nvPr/>
+      </p:nvGrpSpPr>
+      <p:grpSpPr>
+        <a:xfrm>
+          <a:off x="0" y="0"/>
+          <a:ext cx="0" cy="0"/>
+          <a:chOff x="0" y="0"/>
+          <a:chExt cx="0" cy="0"/>
+        </a:xfrm>
+      </p:grpSpPr>
+      <p:sp>
+        <p:nvSpPr>
+          <p:cNvPr id="988" name="TextBox 987"/>
+          <p:cNvSpPr txBox="1"/>
+          <p:nvPr/>
+        </p:nvSpPr>
+        <p:spPr>
+          <a:xfrm>
+            <a:off x="3381153" y="1341681"/>
+            <a:ext cx="4848446" cy="461665"/>
+          </a:xfrm>
+          <a:prstGeom prst="rect">
+            <a:avLst/>
+          </a:prstGeom>
+          <a:noFill/>
+        </p:spPr>
+        <p:txBody>
+          <a:bodyPr wrap="square" rtlCol="0">
+            <a:spAutoFit/>
+          </a:bodyPr>
+          <a:lstStyle/>
+          <a:p>
+            <a:pPr algn="ctr"/>
+            <a:r>
+              <a:rPr lang="en-US" sz="2400" b="1" dirty="0" smtClean="0"/>
+              <a:t>What is a Dictionary?</a:t>
+            </a:r>
+            <a:endParaRPr lang="en-US" sz="2400" b="1" dirty="0"/>
+          </a:p>
+        </p:txBody>
+      </p:sp>
+      <p:sp>
+        <p:nvSpPr>
+          <p:cNvPr id="989" name="TextBox 988"/>
+          <p:cNvSpPr txBox="1"/>
+          <p:nvPr/>
+        </p:nvSpPr>
+        <p:spPr>
+          <a:xfrm>
+            <a:off x="1520456" y="2141726"/>
+            <a:ext cx="9154632" cy="2031325"/>
+          </a:xfrm>
+          <a:prstGeom prst="rect">
+            <a:avLst/>
+          </a:prstGeom>
+          <a:noFill/>
+        </p:spPr>
+        <p:txBody>
+          <a:bodyPr wrap="square" rtlCol="0">
+            <a:spAutoFit/>
+          </a:bodyPr>
+          <a:lstStyle/>
+          <a:p>
+            <a:pPr algn="just"/>
+            <a:r>
+              <a:rPr lang="en-US" dirty="0" smtClean="0"/>
+              <a:t>A </a:t>
+            </a:r>
+            <a:r>
+              <a:rPr lang="en-US" dirty="0" smtClean="0">
+                <a:solidFill>
+                  <a:srgbClr val="FF0000"/>
+                </a:solidFill>
+              </a:rPr>
+              <a:t>dictionary, D</a:t>
+            </a:r>
+            <a:r>
+              <a:rPr lang="en-US" dirty="0" smtClean="0"/>
+              <a:t> is an N X k matrix that contains k prototype signals called </a:t>
+            </a:r>
+            <a:r>
+              <a:rPr lang="en-US" dirty="0" smtClean="0">
+                <a:solidFill>
+                  <a:srgbClr val="FF0000"/>
+                </a:solidFill>
+              </a:rPr>
+              <a:t>ATOMS</a:t>
+            </a:r>
+            <a:r>
+              <a:rPr lang="en-US" dirty="0" smtClean="0"/>
+              <a:t> as columns, such that any given signal </a:t>
+            </a:r>
+            <a:r>
+              <a:rPr lang="en-US" dirty="0" smtClean="0">
+                <a:solidFill>
+                  <a:srgbClr val="FF0000"/>
+                </a:solidFill>
+              </a:rPr>
+              <a:t>y</a:t>
+            </a:r>
+            <a:r>
+              <a:rPr lang="en-US" dirty="0" smtClean="0"/>
+              <a:t> can be represented as a linear combination of a small number of these atoms. </a:t>
+            </a:r>
+          </a:p>
+          <a:p>
+            <a:endParaRPr lang="en-US" dirty="0"/>
+          </a:p>
+          <a:p>
+            <a:r>
+              <a:rPr lang="en-US" dirty="0" smtClean="0"/>
+              <a:t>Each of the atoms in the dictionary is a vector of length N which in itself is a potential signal. </a:t>
+            </a:r>
+          </a:p>
+          <a:p>
+            <a:endParaRPr lang="en-US" dirty="0"/>
+          </a:p>
+          <a:p>
+            <a:r>
+              <a:rPr lang="en-US" dirty="0" smtClean="0"/>
+              <a:t>For any signal y and dictionary D, there must exist a vector x in </a:t>
+            </a:r>
+            <a:r>
+              <a:rPr lang="en-US" dirty="0" err="1" smtClean="0"/>
+              <a:t>R_k</a:t>
+            </a:r>
+            <a:r>
+              <a:rPr lang="en-US" dirty="0" smtClean="0"/>
+              <a:t>, such that,</a:t>
+            </a:r>
+          </a:p>
+        </p:txBody>
+      </p:sp>
+      <p:sp>
+        <p:nvSpPr>
+          <p:cNvPr id="990" name="TextBox 989"/>
+          <p:cNvSpPr txBox="1"/>
+          <p:nvPr/>
+        </p:nvSpPr>
+        <p:spPr>
+          <a:xfrm>
+            <a:off x="4713767" y="4296337"/>
+            <a:ext cx="1382233" cy="369332"/>
+          </a:xfrm>
+          <a:prstGeom prst="rect">
+            <a:avLst/>
+          </a:prstGeom>
+          <a:noFill/>
+        </p:spPr>
+        <p:txBody>
+          <a:bodyPr wrap="square" rtlCol="0">
+            <a:spAutoFit/>
+          </a:bodyPr>
+          <a:lstStyle/>
+          <a:p>
+            <a:pPr algn="ctr"/>
+            <a:r>
+              <a:rPr lang="en-US" dirty="0" smtClean="0">
+                <a:solidFill>
+                  <a:srgbClr val="FF0000"/>
+                </a:solidFill>
+              </a:rPr>
+              <a:t>y = </a:t>
+            </a:r>
+            <a:r>
+              <a:rPr lang="en-US" dirty="0" err="1" smtClean="0">
+                <a:solidFill>
+                  <a:srgbClr val="FF0000"/>
+                </a:solidFill>
+              </a:rPr>
+              <a:t>Dx</a:t>
+            </a:r>
+            <a:endParaRPr lang="en-US" dirty="0">
+              <a:solidFill>
+                <a:srgbClr val="FF0000"/>
+              </a:solidFill>
+            </a:endParaRPr>
+          </a:p>
+        </p:txBody>
+      </p:sp>
+      <p:sp>
+        <p:nvSpPr>
+          <p:cNvPr id="991" name="TextBox 990"/>
+          <p:cNvSpPr txBox="1"/>
+          <p:nvPr/>
+        </p:nvSpPr>
+        <p:spPr>
+          <a:xfrm>
+            <a:off x="1520456" y="4912241"/>
+            <a:ext cx="6198782" cy="369332"/>
+          </a:xfrm>
+          <a:prstGeom prst="rect">
+            <a:avLst/>
+          </a:prstGeom>
+          <a:noFill/>
+        </p:spPr>
+        <p:txBody>
+          <a:bodyPr wrap="square" rtlCol="0">
+            <a:spAutoFit/>
+          </a:bodyPr>
+          <a:lstStyle/>
+          <a:p>
+            <a:r>
+              <a:rPr lang="en-US" dirty="0" smtClean="0"/>
+              <a:t>,where x contains the representation coefficients of signal y.</a:t>
+            </a:r>
+            <a:endParaRPr lang="en-US" dirty="0"/>
+          </a:p>
+        </p:txBody>
+      </p:sp>
+    </p:spTree>
+    <p:extLst>
+      <p:ext uri="{BB962C8B-B14F-4D97-AF65-F5344CB8AC3E}">
+        <p14:creationId xmlns:p14="http://schemas.microsoft.com/office/powerpoint/2010/main" val="1490535829"/>
+      </p:ext>
+    </p:extLst>
+  </p:cSld>
+  <p:clrMapOvr>
+    <a:masterClrMapping/>
+  </p:clrMapOvr>
+  <p:timing>
+    <p:tnLst>
+      <p:par>
+        <p:cTn id="1" dur="indefinite" restart="never" nodeType="tmRoot"/>
+      </p:par>
+    </p:tnLst>
+  </p:timing>
+</p:sld>
+</file>
+
+<file path=ppt/slides/slide8.xml><?xml version="1.0" encoding="utf-8"?>
+<p:sld xmlns:a="http://schemas.openxmlformats.org/drawingml/2006/main" xmlns:r="http://schemas.openxmlformats.org/officeDocument/2006/relationships" xmlns:p="http://schemas.openxmlformats.org/presentationml/2006/main">
+  <p:cSld>
+    <p:spTree>
+      <p:nvGrpSpPr>
+        <p:cNvPr id="1" name=""/>
+        <p:cNvGrpSpPr/>
+        <p:nvPr/>
+      </p:nvGrpSpPr>
+      <p:grpSpPr>
+        <a:xfrm>
+          <a:off x="0" y="0"/>
+          <a:ext cx="0" cy="0"/>
+          <a:chOff x="0" y="0"/>
+          <a:chExt cx="0" cy="0"/>
+        </a:xfrm>
+      </p:grpSpPr>
+      <p:sp>
+        <p:nvSpPr>
+          <p:cNvPr id="2" name="Title 1"/>
+          <p:cNvSpPr>
+            <a:spLocks noGrp="1"/>
+          </p:cNvSpPr>
+          <p:nvPr>
+            <p:ph type="title"/>
+          </p:nvPr>
+        </p:nvSpPr>
+        <p:spPr/>
+        <p:txBody>
+          <a:bodyPr/>
+          <a:lstStyle/>
+          <a:p>
+            <a:r>
+              <a:rPr lang="en-US" b="1" dirty="0"/>
+              <a:t>What is a Dictionary?</a:t>
+            </a:r>
+            <a:br>
+              <a:rPr lang="en-US" b="1" dirty="0"/>
+            </a:br>
+            <a:endParaRPr lang="en-US" dirty="0"/>
+          </a:p>
+        </p:txBody>
+      </p:sp>
+      <p:sp>
+        <p:nvSpPr>
+          <p:cNvPr id="3" name="Content Placeholder 2"/>
+          <p:cNvSpPr>
+            <a:spLocks noGrp="1"/>
+          </p:cNvSpPr>
+          <p:nvPr>
+            <p:ph idx="1"/>
+          </p:nvPr>
+        </p:nvSpPr>
+        <p:spPr/>
+        <p:txBody>
+          <a:bodyPr>
+            <a:normAutofit lnSpcReduction="10000"/>
+          </a:bodyPr>
+          <a:lstStyle/>
+          <a:p>
+            <a:pPr algn="just"/>
+            <a:r>
+              <a:rPr lang="en-US" dirty="0"/>
+              <a:t>A </a:t>
+            </a:r>
+            <a:r>
+              <a:rPr lang="en-US" dirty="0">
+                <a:solidFill>
+                  <a:srgbClr val="FF0000"/>
+                </a:solidFill>
+              </a:rPr>
+              <a:t>dictionary, D</a:t>
+            </a:r>
+            <a:r>
+              <a:rPr lang="en-US" dirty="0"/>
+              <a:t> is an N X k matrix that contains k prototype signals called </a:t>
+            </a:r>
+            <a:r>
+              <a:rPr lang="en-US" dirty="0">
+                <a:solidFill>
+                  <a:srgbClr val="FF0000"/>
+                </a:solidFill>
+              </a:rPr>
+              <a:t>ATOMS</a:t>
+            </a:r>
+            <a:r>
+              <a:rPr lang="en-US" dirty="0"/>
+              <a:t> as columns, such that any given signal </a:t>
+            </a:r>
+            <a:r>
+              <a:rPr lang="en-US" dirty="0">
+                <a:solidFill>
+                  <a:srgbClr val="FF0000"/>
+                </a:solidFill>
+              </a:rPr>
+              <a:t>y</a:t>
+            </a:r>
+            <a:r>
+              <a:rPr lang="en-US" dirty="0"/>
+              <a:t> can be represented as a linear combination of a small number of these atoms. </a:t>
+            </a:r>
+            <a:endParaRPr lang="en-US" dirty="0" smtClean="0"/>
+          </a:p>
+          <a:p>
+            <a:pPr algn="just"/>
+            <a:r>
+              <a:rPr lang="en-US" dirty="0" smtClean="0"/>
+              <a:t>Each </a:t>
+            </a:r>
+            <a:r>
+              <a:rPr lang="en-US" dirty="0"/>
+              <a:t>of the atoms in the dictionary is a vector of length N which in itself is a potential signal. </a:t>
+            </a:r>
+          </a:p>
+          <a:p>
+            <a:r>
+              <a:rPr lang="en-US" dirty="0"/>
+              <a:t>For any signal y and dictionary D, there must exist a vector x in </a:t>
+            </a:r>
+            <a:r>
+              <a:rPr lang="en-US" dirty="0" err="1"/>
+              <a:t>R_k</a:t>
+            </a:r>
+            <a:r>
+              <a:rPr lang="en-US" dirty="0"/>
+              <a:t>, such that,</a:t>
+            </a:r>
+          </a:p>
+          <a:p>
+            <a:pPr marL="0" indent="0">
+              <a:buNone/>
+            </a:pPr>
+            <a:r>
+              <a:rPr lang="en-US" dirty="0" smtClean="0">
+                <a:solidFill>
+                  <a:srgbClr val="FF0000"/>
+                </a:solidFill>
+              </a:rPr>
+              <a:t>					y </a:t>
+            </a:r>
+            <a:r>
+              <a:rPr lang="en-US" dirty="0">
+                <a:solidFill>
+                  <a:srgbClr val="FF0000"/>
+                </a:solidFill>
+              </a:rPr>
+              <a:t>= </a:t>
+            </a:r>
+            <a:r>
+              <a:rPr lang="en-US" dirty="0" err="1">
+                <a:solidFill>
+                  <a:srgbClr val="FF0000"/>
+                </a:solidFill>
+              </a:rPr>
+              <a:t>Dx</a:t>
+            </a:r>
+            <a:endParaRPr lang="en-US" dirty="0">
+              <a:solidFill>
+                <a:srgbClr val="FF0000"/>
+              </a:solidFill>
+            </a:endParaRPr>
+          </a:p>
+          <a:p>
+            <a:r>
+              <a:rPr lang="en-US" dirty="0"/>
+              <a:t>,where x contains the representation coefficients of </a:t>
+            </a:r>
+            <a:r>
+              <a:rPr lang="en-US" dirty="0" smtClean="0"/>
+              <a:t>signal y.</a:t>
+            </a:r>
+            <a:endParaRPr lang="en-US" dirty="0"/>
+          </a:p>
+        </p:txBody>
+      </p:sp>
+    </p:spTree>
+    <p:extLst>
+      <p:ext uri="{BB962C8B-B14F-4D97-AF65-F5344CB8AC3E}">
+        <p14:creationId xmlns:p14="http://schemas.microsoft.com/office/powerpoint/2010/main" val="901688058"/>
+      </p:ext>
+    </p:extLst>
+  </p:cSld>
+  <p:clrMapOvr>
+    <a:masterClrMapping/>
+  </p:clrMapOvr>
+  <p:timing>
+    <p:tnLst>
+      <p:par>
+        <p:cTn id="1" dur="indefinite" restart="never" nodeType="tmRoot"/>
+      </p:par>
+    </p:tnLst>
+  </p:timing>
+</p:sld>
+</file>
+
+<file path=ppt/slides/slide9.xml><?xml version="1.0" encoding="utf-8"?>
+<p:sld xmlns:a="http://schemas.openxmlformats.org/drawingml/2006/main" xmlns:r="http://schemas.openxmlformats.org/officeDocument/2006/relationships" xmlns:p="http://schemas.openxmlformats.org/presentationml/2006/main">
+  <p:cSld>
+    <p:spTree>
+      <p:nvGrpSpPr>
+        <p:cNvPr id="1" name=""/>
+        <p:cNvGrpSpPr/>
+        <p:nvPr/>
+      </p:nvGrpSpPr>
+      <p:grpSpPr>
+        <a:xfrm>
+          <a:off x="0" y="0"/>
+          <a:ext cx="0" cy="0"/>
+          <a:chOff x="0" y="0"/>
+          <a:chExt cx="0" cy="0"/>
+        </a:xfrm>
+      </p:grpSpPr>
+      <p:sp>
+        <p:nvSpPr>
+          <p:cNvPr id="2" name="TextBox 1"/>
+          <p:cNvSpPr txBox="1"/>
+          <p:nvPr/>
+        </p:nvSpPr>
+        <p:spPr>
+          <a:xfrm>
+            <a:off x="2615609" y="1318436"/>
+            <a:ext cx="4795284" cy="646331"/>
+          </a:xfrm>
+          <a:prstGeom prst="rect">
+            <a:avLst/>
+          </a:prstGeom>
+          <a:noFill/>
+        </p:spPr>
+        <p:txBody>
+          <a:bodyPr wrap="square" rtlCol="0">
+            <a:spAutoFit/>
+          </a:bodyPr>
+          <a:lstStyle/>
+          <a:p>
+            <a:r>
+              <a:rPr lang="en-US" dirty="0" smtClean="0"/>
+              <a:t>But, where do we get the dictionary from?</a:t>
+            </a:r>
+          </a:p>
+          <a:p>
+            <a:endParaRPr lang="en-US" dirty="0"/>
+          </a:p>
+        </p:txBody>
+      </p:sp>
+      <p:sp>
+        <p:nvSpPr>
+          <p:cNvPr id="3" name="TextBox 2"/>
+          <p:cNvSpPr txBox="1"/>
+          <p:nvPr/>
+        </p:nvSpPr>
+        <p:spPr>
+          <a:xfrm>
+            <a:off x="1180215" y="1964767"/>
+            <a:ext cx="6826102" cy="1754326"/>
+          </a:xfrm>
+          <a:prstGeom prst="rect">
+            <a:avLst/>
+          </a:prstGeom>
+          <a:noFill/>
+        </p:spPr>
+        <p:txBody>
+          <a:bodyPr wrap="square" rtlCol="0">
+            <a:spAutoFit/>
+          </a:bodyPr>
+          <a:lstStyle/>
+          <a:p>
+            <a:endParaRPr lang="en-US" dirty="0"/>
+          </a:p>
+          <a:p>
+            <a:r>
+              <a:rPr lang="en-US" dirty="0" smtClean="0"/>
+              <a:t>Use pre-calculated dictionaries built from a huge dataset of natural images over time.  </a:t>
+            </a:r>
+          </a:p>
+          <a:p>
+            <a:r>
+              <a:rPr lang="en-US" dirty="0" smtClean="0"/>
+              <a:t>       </a:t>
+            </a:r>
+          </a:p>
+          <a:p>
+            <a:pPr marL="342900" indent="-342900">
+              <a:buAutoNum type="arabicPeriod"/>
+            </a:pPr>
+            <a:endParaRPr lang="en-US" dirty="0"/>
+          </a:p>
+          <a:p>
+            <a:pPr marL="342900" indent="-342900">
+              <a:buAutoNum type="arabicPeriod"/>
+            </a:pPr>
+            <a:endParaRPr lang="en-US" dirty="0" smtClean="0"/>
+          </a:p>
+        </p:txBody>
+      </p:sp>
+      <p:sp>
+        <p:nvSpPr>
+          <p:cNvPr id="4" name="TextBox 3"/>
+          <p:cNvSpPr txBox="1"/>
+          <p:nvPr/>
+        </p:nvSpPr>
+        <p:spPr>
+          <a:xfrm>
+            <a:off x="1180215" y="4521599"/>
+            <a:ext cx="7559749" cy="369332"/>
+          </a:xfrm>
+          <a:prstGeom prst="rect">
+            <a:avLst/>
+          </a:prstGeom>
+          <a:noFill/>
+        </p:spPr>
+        <p:txBody>
+          <a:bodyPr wrap="square" rtlCol="0">
+            <a:spAutoFit/>
+          </a:bodyPr>
+          <a:lstStyle/>
+          <a:p>
+            <a:r>
+              <a:rPr lang="en-US" dirty="0" smtClean="0"/>
+              <a:t>So, here comes the problem of </a:t>
+            </a:r>
+            <a:r>
+              <a:rPr lang="en-US" b="1" dirty="0" smtClean="0">
+                <a:solidFill>
+                  <a:srgbClr val="FF0000"/>
+                </a:solidFill>
+              </a:rPr>
+              <a:t>Dictionary Learning!!</a:t>
+            </a:r>
+            <a:endParaRPr lang="en-US" dirty="0"/>
+          </a:p>
+        </p:txBody>
+      </p:sp>
+      <p:sp>
+        <p:nvSpPr>
+          <p:cNvPr id="5" name="TextBox 4"/>
+          <p:cNvSpPr txBox="1"/>
+          <p:nvPr/>
+        </p:nvSpPr>
+        <p:spPr>
+          <a:xfrm>
+            <a:off x="1297172" y="3136605"/>
+            <a:ext cx="1137684" cy="369332"/>
+          </a:xfrm>
+          <a:prstGeom prst="rect">
+            <a:avLst/>
+          </a:prstGeom>
+          <a:noFill/>
+        </p:spPr>
+        <p:txBody>
+          <a:bodyPr wrap="square" rtlCol="0">
+            <a:spAutoFit/>
+          </a:bodyPr>
+          <a:lstStyle/>
+          <a:p>
+            <a:r>
+              <a:rPr lang="en-US" dirty="0" smtClean="0"/>
+              <a:t>Or,</a:t>
+            </a:r>
+            <a:endParaRPr lang="en-US" dirty="0"/>
+          </a:p>
+        </p:txBody>
+      </p:sp>
+      <p:sp>
+        <p:nvSpPr>
+          <p:cNvPr id="6" name="TextBox 5"/>
+          <p:cNvSpPr txBox="1"/>
+          <p:nvPr/>
+        </p:nvSpPr>
+        <p:spPr>
+          <a:xfrm>
+            <a:off x="1180216" y="3321271"/>
+            <a:ext cx="6358270" cy="1200329"/>
+          </a:xfrm>
+          <a:prstGeom prst="rect">
+            <a:avLst/>
+          </a:prstGeom>
+          <a:noFill/>
+        </p:spPr>
+        <p:txBody>
+          <a:bodyPr wrap="square" rtlCol="0">
+            <a:spAutoFit/>
+          </a:bodyPr>
+          <a:lstStyle/>
+          <a:p>
+            <a:endParaRPr lang="en-US" dirty="0"/>
+          </a:p>
+          <a:p>
+            <a:r>
+              <a:rPr lang="en-US" dirty="0">
+                <a:solidFill>
+                  <a:srgbClr val="FF0000"/>
+                </a:solidFill>
+              </a:rPr>
+              <a:t>Learn a dictionary from the given set of training </a:t>
+            </a:r>
+            <a:r>
+              <a:rPr lang="en-US" dirty="0" smtClean="0">
+                <a:solidFill>
+                  <a:srgbClr val="FF0000"/>
+                </a:solidFill>
+              </a:rPr>
+              <a:t>signals : </a:t>
+            </a:r>
+            <a:r>
+              <a:rPr lang="en-US" dirty="0" smtClean="0"/>
+              <a:t>Has proven to dramatically improve signal reconstruction. </a:t>
+            </a:r>
+            <a:endParaRPr lang="en-US" dirty="0"/>
+          </a:p>
+          <a:p>
+            <a:endParaRPr lang="en-US" dirty="0"/>
+          </a:p>
+        </p:txBody>
+      </p:sp>
+    </p:spTree>
+    <p:extLst>
+      <p:ext uri="{BB962C8B-B14F-4D97-AF65-F5344CB8AC3E}">
+        <p14:creationId xmlns:p14="http://schemas.microsoft.com/office/powerpoint/2010/main" val="3959674986"/>
+      </p:ext>
+    </p:extLst>
+  </p:cSld>
+  <p:clrMapOvr>
+    <a:masterClrMapping/>
+  </p:clrMapOvr>
+  <p:timing>
+    <p:tnLst>
+      <p:par>
+        <p:cTn id="1" dur="indefinite" restart="never" nodeType="tmRoot">
+          <p:childTnLst>
+            <p:seq concurrent="1" nextAc="seek">
+              <p:cTn id="2" dur="indefinite" nodeType="mainSeq">
+                <p:childTnLst>
+                  <p:par>
+                    <p:cTn id="3" fill="hold">
+                      <p:stCondLst>
+                        <p:cond delay="indefinite"/>
+                      </p:stCondLst>
+                      <p:childTnLst>
+                        <p:par>
+                          <p:cTn id="4" fill="hold">
+                            <p:stCondLst>
+                              <p:cond delay="0"/>
+                            </p:stCondLst>
+                            <p:childTnLst>
+                              <p:par>
+                                <p:cTn id="5" presetID="1" presetClass="entr" presetSubtype="0" fill="hold" grpId="0" nodeType="clickEffect">
+                                  <p:stCondLst>
+                                    <p:cond delay="0"/>
+                                  </p:stCondLst>
+                                  <p:childTnLst>
+                                    <p:set>
+                                      <p:cBhvr>
+                                        <p:cTn id="6" dur="1" fill="hold">
+                                          <p:stCondLst>
+                                            <p:cond delay="0"/>
+                                          </p:stCondLst>
+                                        </p:cTn>
+                                        <p:tgtEl>
+                                          <p:spTgt spid="5"/>
+                                        </p:tgtEl>
+                                        <p:attrNameLst>
+                                          <p:attrName>style.visibility</p:attrName>
+                                        </p:attrNameLst>
+                                      </p:cBhvr>
+                                      <p:to>
+                                        <p:strVal val="visible"/>
+                                      </p:to>
+                                    </p:set>
+                                  </p:childTnLst>
+                                </p:cTn>
+                              </p:par>
+                            </p:childTnLst>
+                          </p:cTn>
+                        </p:par>
+                      </p:childTnLst>
+                    </p:cTn>
+                  </p:par>
+                  <p:par>
+                    <p:cTn id="7" fill="hold">
+                      <p:stCondLst>
+                        <p:cond delay="indefinite"/>
+                      </p:stCondLst>
+                      <p:childTnLst>
+                        <p:par>
+                          <p:cTn id="8" fill="hold">
+                            <p:stCondLst>
+                              <p:cond delay="0"/>
+                            </p:stCondLst>
+                            <p:childTnLst>
+                              <p:par>
+                                <p:cTn id="9" presetID="1" presetClass="entr" presetSubtype="0" fill="hold" grpId="0" nodeType="clickEffect">
+                                  <p:stCondLst>
+                                    <p:cond delay="0"/>
+                                  </p:stCondLst>
+                                  <p:childTnLst>
+                                    <p:set>
+                                      <p:cBhvr>
+                                        <p:cTn id="10" dur="1" fill="hold">
+                                          <p:stCondLst>
+                                            <p:cond delay="0"/>
+                                          </p:stCondLst>
+                                        </p:cTn>
+                                        <p:tgtEl>
+                                          <p:spTgt spid="6"/>
+                                        </p:tgtEl>
+                                        <p:attrNameLst>
+                                          <p:attrName>style.visibility</p:attrName>
+                                        </p:attrNameLst>
+                                      </p:cBhvr>
+                                      <p:to>
+                                        <p:strVal val="visible"/>
+                                      </p:to>
+                                    </p:set>
+                                  </p:childTnLst>
+                                </p:cTn>
+                              </p:par>
+                            </p:childTnLst>
+                          </p:cTn>
+                        </p:par>
+                        <p:par>
+                          <p:cTn id="11" fill="hold">
+                            <p:stCondLst>
+                              <p:cond delay="0"/>
+                            </p:stCondLst>
+                            <p:childTnLst>
+                              <p:par>
+                                <p:cTn id="12" presetID="1" presetClass="entr" presetSubtype="0" fill="hold" grpId="0" nodeType="afterEffect">
+                                  <p:stCondLst>
+                                    <p:cond delay="0"/>
+                                  </p:stCondLst>
+                                  <p:childTnLst>
+                                    <p:set>
+                                      <p:cBhvr>
+                                        <p:cTn id="13" dur="1" fill="hold">
+                                          <p:stCondLst>
+                                            <p:cond delay="0"/>
+                                          </p:stCondLst>
+                                        </p:cTn>
+                                        <p:tgtEl>
+                                          <p:spTgt spid="4"/>
+                                        </p:tgtEl>
+                                        <p:attrNameLst>
+                                          <p:attrName>style.visibility</p:attrName>
+                                        </p:attrNameLst>
+                                      </p:cBhvr>
+                                      <p:to>
+                                        <p:strVal val="visible"/>
+                                      </p:to>
+                                    </p:set>
+                                  </p:childTnLst>
+                                </p:cTn>
+                              </p:par>
+                            </p:childTnLst>
+                          </p:cTn>
+                        </p:par>
+                      </p:childTnLst>
+                    </p:cTn>
+                  </p:par>
+                </p:childTnLst>
+              </p:cTn>
+              <p:prevCondLst>
+                <p:cond evt="onPrev" delay="0">
+                  <p:tgtEl>
+                    <p:sldTgt/>
+                  </p:tgtEl>
+                </p:cond>
+              </p:prevCondLst>
+              <p:nextCondLst>
+                <p:cond evt="onNext" delay="0">
+                  <p:tgtEl>
+                    <p:sldTgt/>
+                  </p:tgtEl>
+                </p:cond>
+              </p:nextCondLst>
+            </p:seq>
+          </p:childTnLst>
+        </p:cTn>
+      </p:par>
+    </p:tnLst>
+    <p:bldLst>
+      <p:bldP spid="4" grpId="0"/>
+      <p:bldP spid="5" grpId="0"/>
+      <p:bldP spid="6" grpId="0"/>
+    </p:bldLst>
+  </p:timing>
+</p:sld>
+</file>
+
 <file path=ppt/theme/theme1.xml><?xml version="1.0" encoding="utf-8"?>
 <a:theme xmlns:a="http://schemas.openxmlformats.org/drawingml/2006/main" name="Office Theme">
   <a:themeElements>
